--- a/Presentacion.pptx
+++ b/Presentacion.pptx
@@ -17,6 +17,8 @@
     <p:sldId id="265" r:id="rId11"/>
     <p:sldId id="266" r:id="rId12"/>
     <p:sldId id="267" r:id="rId13"/>
+    <p:sldId id="268" r:id="rId14"/>
+    <p:sldId id="269" r:id="rId15"/>
   </p:sldIdLst>
   <p:sldSz cx="12192000" cy="6858000"/>
   <p:notesSz cx="6858000" cy="9144000"/>
@@ -115,6 +117,11 @@
       </a:defRPr>
     </a:lvl9pPr>
   </p:defaultTextStyle>
+  <p:extLst>
+    <p:ext uri="{EFAFB233-063F-42B5-8137-9DF3F51BA10A}">
+      <p15:sldGuideLst xmlns:p15="http://schemas.microsoft.com/office/powerpoint/2012/main"/>
+    </p:ext>
+  </p:extLst>
 </p:presentation>
 </file>
 
@@ -840,7 +847,7 @@
           <a:p>
             <a:fld id="{B35B90B7-E1C1-432D-AD98-2E0425DBC3D2}" type="datetimeFigureOut">
               <a:rPr lang="es-PY" smtClean="0"/>
-              <a:t>7/4/2025</a:t>
+              <a:t>8/4/2025</a:t>
             </a:fld>
             <a:endParaRPr lang="es-PY"/>
           </a:p>
@@ -1091,7 +1098,7 @@
           <a:p>
             <a:fld id="{B35B90B7-E1C1-432D-AD98-2E0425DBC3D2}" type="datetimeFigureOut">
               <a:rPr lang="es-PY" smtClean="0"/>
-              <a:t>7/4/2025</a:t>
+              <a:t>8/4/2025</a:t>
             </a:fld>
             <a:endParaRPr lang="es-PY"/>
           </a:p>
@@ -1405,7 +1412,7 @@
           <a:p>
             <a:fld id="{B35B90B7-E1C1-432D-AD98-2E0425DBC3D2}" type="datetimeFigureOut">
               <a:rPr lang="es-PY" smtClean="0"/>
-              <a:t>7/4/2025</a:t>
+              <a:t>8/4/2025</a:t>
             </a:fld>
             <a:endParaRPr lang="es-PY"/>
           </a:p>
@@ -1746,7 +1753,7 @@
           <a:p>
             <a:fld id="{B35B90B7-E1C1-432D-AD98-2E0425DBC3D2}" type="datetimeFigureOut">
               <a:rPr lang="es-PY" smtClean="0"/>
-              <a:t>7/4/2025</a:t>
+              <a:t>8/4/2025</a:t>
             </a:fld>
             <a:endParaRPr lang="es-PY"/>
           </a:p>
@@ -2060,7 +2067,7 @@
           <a:p>
             <a:fld id="{B35B90B7-E1C1-432D-AD98-2E0425DBC3D2}" type="datetimeFigureOut">
               <a:rPr lang="es-PY" smtClean="0"/>
-              <a:t>7/4/2025</a:t>
+              <a:t>8/4/2025</a:t>
             </a:fld>
             <a:endParaRPr lang="es-PY"/>
           </a:p>
@@ -2453,7 +2460,7 @@
           <a:p>
             <a:fld id="{B35B90B7-E1C1-432D-AD98-2E0425DBC3D2}" type="datetimeFigureOut">
               <a:rPr lang="es-PY" smtClean="0"/>
-              <a:t>7/4/2025</a:t>
+              <a:t>8/4/2025</a:t>
             </a:fld>
             <a:endParaRPr lang="es-PY"/>
           </a:p>
@@ -2623,7 +2630,7 @@
           <a:p>
             <a:fld id="{B35B90B7-E1C1-432D-AD98-2E0425DBC3D2}" type="datetimeFigureOut">
               <a:rPr lang="es-PY" smtClean="0"/>
-              <a:t>7/4/2025</a:t>
+              <a:t>8/4/2025</a:t>
             </a:fld>
             <a:endParaRPr lang="es-PY"/>
           </a:p>
@@ -2803,7 +2810,7 @@
           <a:p>
             <a:fld id="{B35B90B7-E1C1-432D-AD98-2E0425DBC3D2}" type="datetimeFigureOut">
               <a:rPr lang="es-PY" smtClean="0"/>
-              <a:t>7/4/2025</a:t>
+              <a:t>8/4/2025</a:t>
             </a:fld>
             <a:endParaRPr lang="es-PY"/>
           </a:p>
@@ -2979,7 +2986,7 @@
           <a:p>
             <a:fld id="{B35B90B7-E1C1-432D-AD98-2E0425DBC3D2}" type="datetimeFigureOut">
               <a:rPr lang="es-PY" smtClean="0"/>
-              <a:t>7/4/2025</a:t>
+              <a:t>8/4/2025</a:t>
             </a:fld>
             <a:endParaRPr lang="es-PY"/>
           </a:p>
@@ -3226,7 +3233,7 @@
           <a:p>
             <a:fld id="{B35B90B7-E1C1-432D-AD98-2E0425DBC3D2}" type="datetimeFigureOut">
               <a:rPr lang="es-PY" smtClean="0"/>
-              <a:t>7/4/2025</a:t>
+              <a:t>8/4/2025</a:t>
             </a:fld>
             <a:endParaRPr lang="es-PY"/>
           </a:p>
@@ -3458,7 +3465,7 @@
           <a:p>
             <a:fld id="{B35B90B7-E1C1-432D-AD98-2E0425DBC3D2}" type="datetimeFigureOut">
               <a:rPr lang="es-PY" smtClean="0"/>
-              <a:t>7/4/2025</a:t>
+              <a:t>8/4/2025</a:t>
             </a:fld>
             <a:endParaRPr lang="es-PY"/>
           </a:p>
@@ -3832,7 +3839,7 @@
           <a:p>
             <a:fld id="{B35B90B7-E1C1-432D-AD98-2E0425DBC3D2}" type="datetimeFigureOut">
               <a:rPr lang="es-PY" smtClean="0"/>
-              <a:t>7/4/2025</a:t>
+              <a:t>8/4/2025</a:t>
             </a:fld>
             <a:endParaRPr lang="es-PY"/>
           </a:p>
@@ -3955,7 +3962,7 @@
           <a:p>
             <a:fld id="{B35B90B7-E1C1-432D-AD98-2E0425DBC3D2}" type="datetimeFigureOut">
               <a:rPr lang="es-PY" smtClean="0"/>
-              <a:t>7/4/2025</a:t>
+              <a:t>8/4/2025</a:t>
             </a:fld>
             <a:endParaRPr lang="es-PY"/>
           </a:p>
@@ -4050,7 +4057,7 @@
           <a:p>
             <a:fld id="{B35B90B7-E1C1-432D-AD98-2E0425DBC3D2}" type="datetimeFigureOut">
               <a:rPr lang="es-PY" smtClean="0"/>
-              <a:t>7/4/2025</a:t>
+              <a:t>8/4/2025</a:t>
             </a:fld>
             <a:endParaRPr lang="es-PY"/>
           </a:p>
@@ -4305,7 +4312,7 @@
           <a:p>
             <a:fld id="{B35B90B7-E1C1-432D-AD98-2E0425DBC3D2}" type="datetimeFigureOut">
               <a:rPr lang="es-PY" smtClean="0"/>
-              <a:t>7/4/2025</a:t>
+              <a:t>8/4/2025</a:t>
             </a:fld>
             <a:endParaRPr lang="es-PY"/>
           </a:p>
@@ -4568,7 +4575,7 @@
           <a:p>
             <a:fld id="{B35B90B7-E1C1-432D-AD98-2E0425DBC3D2}" type="datetimeFigureOut">
               <a:rPr lang="es-PY" smtClean="0"/>
-              <a:t>7/4/2025</a:t>
+              <a:t>8/4/2025</a:t>
             </a:fld>
             <a:endParaRPr lang="es-PY"/>
           </a:p>
@@ -5311,7 +5318,7 @@
           <a:p>
             <a:fld id="{B35B90B7-E1C1-432D-AD98-2E0425DBC3D2}" type="datetimeFigureOut">
               <a:rPr lang="es-PY" smtClean="0"/>
-              <a:t>7/4/2025</a:t>
+              <a:t>8/4/2025</a:t>
             </a:fld>
             <a:endParaRPr lang="es-PY"/>
           </a:p>
@@ -6256,6 +6263,1244 @@
 </p:sld>
 </file>
 
+<file path=ppt/slides/slide13.xml><?xml version="1.0" encoding="utf-8"?>
+<p:sld xmlns:a="http://schemas.openxmlformats.org/drawingml/2006/main" xmlns:r="http://schemas.openxmlformats.org/officeDocument/2006/relationships" xmlns:p="http://schemas.openxmlformats.org/presentationml/2006/main">
+  <p:cSld>
+    <p:spTree>
+      <p:nvGrpSpPr>
+        <p:cNvPr id="1" name=""/>
+        <p:cNvGrpSpPr/>
+        <p:nvPr/>
+      </p:nvGrpSpPr>
+      <p:grpSpPr>
+        <a:xfrm>
+          <a:off x="0" y="0"/>
+          <a:ext cx="0" cy="0"/>
+          <a:chOff x="0" y="0"/>
+          <a:chExt cx="0" cy="0"/>
+        </a:xfrm>
+      </p:grpSpPr>
+      <p:sp>
+        <p:nvSpPr>
+          <p:cNvPr id="2" name="Título 1">
+            <a:extLst>
+              <a:ext uri="{FF2B5EF4-FFF2-40B4-BE49-F238E27FC236}">
+                <a16:creationId xmlns:a16="http://schemas.microsoft.com/office/drawing/2014/main" id="{4EC4A22E-92CB-4FEE-AA4F-FD263275AA6E}"/>
+              </a:ext>
+            </a:extLst>
+          </p:cNvPr>
+          <p:cNvSpPr>
+            <a:spLocks noGrp="1"/>
+          </p:cNvSpPr>
+          <p:nvPr>
+            <p:ph type="title"/>
+          </p:nvPr>
+        </p:nvSpPr>
+        <p:spPr>
+          <a:xfrm>
+            <a:off x="677335" y="438951"/>
+            <a:ext cx="8596668" cy="755374"/>
+          </a:xfrm>
+        </p:spPr>
+        <p:txBody>
+          <a:bodyPr anchor="t">
+            <a:normAutofit fontScale="90000"/>
+          </a:bodyPr>
+          <a:lstStyle/>
+          <a:p>
+            <a:r>
+              <a:rPr lang="es-PY" b="1" dirty="0"/>
+              <a:t>Métricas que vamos a implementar</a:t>
+            </a:r>
+            <a:br>
+              <a:rPr lang="es-PY" b="1" dirty="0"/>
+            </a:br>
+            <a:endParaRPr lang="es-PY" dirty="0"/>
+          </a:p>
+        </p:txBody>
+      </p:sp>
+      <p:graphicFrame>
+        <p:nvGraphicFramePr>
+          <p:cNvPr id="4" name="Tabla 3">
+            <a:extLst>
+              <a:ext uri="{FF2B5EF4-FFF2-40B4-BE49-F238E27FC236}">
+                <a16:creationId xmlns:a16="http://schemas.microsoft.com/office/drawing/2014/main" id="{F2762A6B-E7CF-4117-A70E-1F83E8C7CE48}"/>
+              </a:ext>
+            </a:extLst>
+          </p:cNvPr>
+          <p:cNvGraphicFramePr>
+            <a:graphicFrameLocks noGrp="1"/>
+          </p:cNvGraphicFramePr>
+          <p:nvPr>
+            <p:extLst>
+              <p:ext uri="{D42A27DB-BD31-4B8C-83A1-F6EECF244321}">
+                <p14:modId xmlns:p14="http://schemas.microsoft.com/office/powerpoint/2010/main" val="472693125"/>
+              </p:ext>
+            </p:extLst>
+          </p:nvPr>
+        </p:nvGraphicFramePr>
+        <p:xfrm>
+          <a:off x="677335" y="2032642"/>
+          <a:ext cx="8596312" cy="3474720"/>
+        </p:xfrm>
+        <a:graphic>
+          <a:graphicData uri="http://schemas.openxmlformats.org/drawingml/2006/table">
+            <a:tbl>
+              <a:tblPr/>
+              <a:tblGrid>
+                <a:gridCol w="4298156">
+                  <a:extLst>
+                    <a:ext uri="{9D8B030D-6E8A-4147-A177-3AD203B41FA5}">
+                      <a16:colId xmlns:a16="http://schemas.microsoft.com/office/drawing/2014/main" val="741724799"/>
+                    </a:ext>
+                  </a:extLst>
+                </a:gridCol>
+                <a:gridCol w="4298156">
+                  <a:extLst>
+                    <a:ext uri="{9D8B030D-6E8A-4147-A177-3AD203B41FA5}">
+                      <a16:colId xmlns:a16="http://schemas.microsoft.com/office/drawing/2014/main" val="984782896"/>
+                    </a:ext>
+                  </a:extLst>
+                </a:gridCol>
+              </a:tblGrid>
+              <a:tr h="0">
+                <a:tc>
+                  <a:txBody>
+                    <a:bodyPr/>
+                    <a:lstStyle/>
+                    <a:p>
+                      <a:r>
+                        <a:rPr lang="es-PY" b="1" dirty="0">
+                          <a:latin typeface="Arial" panose="020B0604020202020204" pitchFamily="34" charset="0"/>
+                          <a:cs typeface="Arial" panose="020B0604020202020204" pitchFamily="34" charset="0"/>
+                        </a:rPr>
+                        <a:t>Métrica</a:t>
+                      </a:r>
+                    </a:p>
+                  </a:txBody>
+                  <a:tcPr anchor="ctr">
+                    <a:lnL>
+                      <a:noFill/>
+                    </a:lnL>
+                    <a:lnR>
+                      <a:noFill/>
+                    </a:lnR>
+                    <a:lnT>
+                      <a:noFill/>
+                    </a:lnT>
+                    <a:lnB>
+                      <a:noFill/>
+                    </a:lnB>
+                  </a:tcPr>
+                </a:tc>
+                <a:tc>
+                  <a:txBody>
+                    <a:bodyPr/>
+                    <a:lstStyle/>
+                    <a:p>
+                      <a:r>
+                        <a:rPr lang="es-PY" b="1" dirty="0">
+                          <a:latin typeface="Arial" panose="020B0604020202020204" pitchFamily="34" charset="0"/>
+                          <a:cs typeface="Arial" panose="020B0604020202020204" pitchFamily="34" charset="0"/>
+                        </a:rPr>
+                        <a:t>Descripción</a:t>
+                      </a:r>
+                    </a:p>
+                  </a:txBody>
+                  <a:tcPr anchor="ctr">
+                    <a:lnL>
+                      <a:noFill/>
+                    </a:lnL>
+                    <a:lnR>
+                      <a:noFill/>
+                    </a:lnR>
+                    <a:lnT>
+                      <a:noFill/>
+                    </a:lnT>
+                    <a:lnB>
+                      <a:noFill/>
+                    </a:lnB>
+                  </a:tcPr>
+                </a:tc>
+                <a:extLst>
+                  <a:ext uri="{0D108BD9-81ED-4DB2-BD59-A6C34878D82A}">
+                    <a16:rowId xmlns:a16="http://schemas.microsoft.com/office/drawing/2014/main" val="1716379885"/>
+                  </a:ext>
+                </a:extLst>
+              </a:tr>
+              <a:tr h="0">
+                <a:tc>
+                  <a:txBody>
+                    <a:bodyPr/>
+                    <a:lstStyle/>
+                    <a:p>
+                      <a:r>
+                        <a:rPr lang="es-PY" dirty="0">
+                          <a:latin typeface="Arial" panose="020B0604020202020204" pitchFamily="34" charset="0"/>
+                          <a:cs typeface="Arial" panose="020B0604020202020204" pitchFamily="34" charset="0"/>
+                        </a:rPr>
+                        <a:t>AMBE</a:t>
+                      </a:r>
+                    </a:p>
+                  </a:txBody>
+                  <a:tcPr anchor="ctr">
+                    <a:lnL>
+                      <a:noFill/>
+                    </a:lnL>
+                    <a:lnR>
+                      <a:noFill/>
+                    </a:lnR>
+                    <a:lnT>
+                      <a:noFill/>
+                    </a:lnT>
+                    <a:lnB>
+                      <a:noFill/>
+                    </a:lnB>
+                  </a:tcPr>
+                </a:tc>
+                <a:tc>
+                  <a:txBody>
+                    <a:bodyPr/>
+                    <a:lstStyle/>
+                    <a:p>
+                      <a:r>
+                        <a:rPr lang="es-MX" dirty="0">
+                          <a:latin typeface="Arial" panose="020B0604020202020204" pitchFamily="34" charset="0"/>
+                          <a:cs typeface="Arial" panose="020B0604020202020204" pitchFamily="34" charset="0"/>
+                        </a:rPr>
+                        <a:t>Diferencia de Brillo promedio (Cuanto menor, mejor preservación de brillo)</a:t>
+                      </a:r>
+                    </a:p>
+                  </a:txBody>
+                  <a:tcPr anchor="ctr">
+                    <a:lnL>
+                      <a:noFill/>
+                    </a:lnL>
+                    <a:lnR>
+                      <a:noFill/>
+                    </a:lnR>
+                    <a:lnT>
+                      <a:noFill/>
+                    </a:lnT>
+                    <a:lnB>
+                      <a:noFill/>
+                    </a:lnB>
+                  </a:tcPr>
+                </a:tc>
+                <a:extLst>
+                  <a:ext uri="{0D108BD9-81ED-4DB2-BD59-A6C34878D82A}">
+                    <a16:rowId xmlns:a16="http://schemas.microsoft.com/office/drawing/2014/main" val="2811859241"/>
+                  </a:ext>
+                </a:extLst>
+              </a:tr>
+              <a:tr h="0">
+                <a:tc>
+                  <a:txBody>
+                    <a:bodyPr/>
+                    <a:lstStyle/>
+                    <a:p>
+                      <a:r>
+                        <a:rPr lang="es-PY" dirty="0">
+                          <a:latin typeface="Arial" panose="020B0604020202020204" pitchFamily="34" charset="0"/>
+                          <a:cs typeface="Arial" panose="020B0604020202020204" pitchFamily="34" charset="0"/>
+                        </a:rPr>
+                        <a:t>PSNR</a:t>
+                      </a:r>
+                    </a:p>
+                  </a:txBody>
+                  <a:tcPr anchor="ctr">
+                    <a:lnL>
+                      <a:noFill/>
+                    </a:lnL>
+                    <a:lnR>
+                      <a:noFill/>
+                    </a:lnR>
+                    <a:lnT>
+                      <a:noFill/>
+                    </a:lnT>
+                    <a:lnB>
+                      <a:noFill/>
+                    </a:lnB>
+                  </a:tcPr>
+                </a:tc>
+                <a:tc>
+                  <a:txBody>
+                    <a:bodyPr/>
+                    <a:lstStyle/>
+                    <a:p>
+                      <a:r>
+                        <a:rPr lang="es-MX" dirty="0">
+                          <a:latin typeface="Arial" panose="020B0604020202020204" pitchFamily="34" charset="0"/>
+                          <a:cs typeface="Arial" panose="020B0604020202020204" pitchFamily="34" charset="0"/>
+                        </a:rPr>
+                        <a:t>Diferencia entre claros y oscuros (cuanto mayor, más realce)</a:t>
+                      </a:r>
+                    </a:p>
+                  </a:txBody>
+                  <a:tcPr anchor="ctr">
+                    <a:lnL>
+                      <a:noFill/>
+                    </a:lnL>
+                    <a:lnR>
+                      <a:noFill/>
+                    </a:lnR>
+                    <a:lnT>
+                      <a:noFill/>
+                    </a:lnT>
+                    <a:lnB>
+                      <a:noFill/>
+                    </a:lnB>
+                  </a:tcPr>
+                </a:tc>
+                <a:extLst>
+                  <a:ext uri="{0D108BD9-81ED-4DB2-BD59-A6C34878D82A}">
+                    <a16:rowId xmlns:a16="http://schemas.microsoft.com/office/drawing/2014/main" val="2759904367"/>
+                  </a:ext>
+                </a:extLst>
+              </a:tr>
+              <a:tr h="0">
+                <a:tc>
+                  <a:txBody>
+                    <a:bodyPr/>
+                    <a:lstStyle/>
+                    <a:p>
+                      <a:r>
+                        <a:rPr lang="es-PY" dirty="0">
+                          <a:latin typeface="Arial" panose="020B0604020202020204" pitchFamily="34" charset="0"/>
+                          <a:cs typeface="Arial" panose="020B0604020202020204" pitchFamily="34" charset="0"/>
+                        </a:rPr>
+                        <a:t>Contraste</a:t>
+                      </a:r>
+                    </a:p>
+                  </a:txBody>
+                  <a:tcPr anchor="ctr">
+                    <a:lnL>
+                      <a:noFill/>
+                    </a:lnL>
+                    <a:lnR>
+                      <a:noFill/>
+                    </a:lnR>
+                    <a:lnT>
+                      <a:noFill/>
+                    </a:lnT>
+                    <a:lnB>
+                      <a:noFill/>
+                    </a:lnB>
+                  </a:tcPr>
+                </a:tc>
+                <a:tc>
+                  <a:txBody>
+                    <a:bodyPr/>
+                    <a:lstStyle/>
+                    <a:p>
+                      <a:r>
+                        <a:rPr lang="es-MX" dirty="0">
+                          <a:latin typeface="Arial" panose="020B0604020202020204" pitchFamily="34" charset="0"/>
+                          <a:cs typeface="Arial" panose="020B0604020202020204" pitchFamily="34" charset="0"/>
+                        </a:rPr>
+                        <a:t>Diferencia entre claros y oscuros (cuanto mayor, más realce, medido como la desviación estándar de la imagen)</a:t>
+                      </a:r>
+                    </a:p>
+                  </a:txBody>
+                  <a:tcPr anchor="ctr">
+                    <a:lnL>
+                      <a:noFill/>
+                    </a:lnL>
+                    <a:lnR>
+                      <a:noFill/>
+                    </a:lnR>
+                    <a:lnT>
+                      <a:noFill/>
+                    </a:lnT>
+                    <a:lnB>
+                      <a:noFill/>
+                    </a:lnB>
+                  </a:tcPr>
+                </a:tc>
+                <a:extLst>
+                  <a:ext uri="{0D108BD9-81ED-4DB2-BD59-A6C34878D82A}">
+                    <a16:rowId xmlns:a16="http://schemas.microsoft.com/office/drawing/2014/main" val="4085615669"/>
+                  </a:ext>
+                </a:extLst>
+              </a:tr>
+              <a:tr h="0">
+                <a:tc>
+                  <a:txBody>
+                    <a:bodyPr/>
+                    <a:lstStyle/>
+                    <a:p>
+                      <a:r>
+                        <a:rPr lang="es-PY" dirty="0">
+                          <a:latin typeface="Arial" panose="020B0604020202020204" pitchFamily="34" charset="0"/>
+                          <a:cs typeface="Arial" panose="020B0604020202020204" pitchFamily="34" charset="0"/>
+                        </a:rPr>
+                        <a:t>Entropía</a:t>
+                      </a:r>
+                    </a:p>
+                  </a:txBody>
+                  <a:tcPr anchor="ctr">
+                    <a:lnL>
+                      <a:noFill/>
+                    </a:lnL>
+                    <a:lnR>
+                      <a:noFill/>
+                    </a:lnR>
+                    <a:lnT>
+                      <a:noFill/>
+                    </a:lnT>
+                    <a:lnB>
+                      <a:noFill/>
+                    </a:lnB>
+                  </a:tcPr>
+                </a:tc>
+                <a:tc>
+                  <a:txBody>
+                    <a:bodyPr/>
+                    <a:lstStyle/>
+                    <a:p>
+                      <a:r>
+                        <a:rPr lang="es-MX" dirty="0">
+                          <a:latin typeface="Arial" panose="020B0604020202020204" pitchFamily="34" charset="0"/>
+                          <a:cs typeface="Arial" panose="020B0604020202020204" pitchFamily="34" charset="0"/>
+                        </a:rPr>
+                        <a:t>Cantidad de información (cuanto mayor, más detalle potencial)</a:t>
+                      </a:r>
+                    </a:p>
+                  </a:txBody>
+                  <a:tcPr anchor="ctr">
+                    <a:lnL>
+                      <a:noFill/>
+                    </a:lnL>
+                    <a:lnR>
+                      <a:noFill/>
+                    </a:lnR>
+                    <a:lnT>
+                      <a:noFill/>
+                    </a:lnT>
+                    <a:lnB>
+                      <a:noFill/>
+                    </a:lnB>
+                  </a:tcPr>
+                </a:tc>
+                <a:extLst>
+                  <a:ext uri="{0D108BD9-81ED-4DB2-BD59-A6C34878D82A}">
+                    <a16:rowId xmlns:a16="http://schemas.microsoft.com/office/drawing/2014/main" val="1461339558"/>
+                  </a:ext>
+                </a:extLst>
+              </a:tr>
+            </a:tbl>
+          </a:graphicData>
+        </a:graphic>
+      </p:graphicFrame>
+    </p:spTree>
+    <p:extLst>
+      <p:ext uri="{BB962C8B-B14F-4D97-AF65-F5344CB8AC3E}">
+        <p14:creationId xmlns:p14="http://schemas.microsoft.com/office/powerpoint/2010/main" val="3386611064"/>
+      </p:ext>
+    </p:extLst>
+  </p:cSld>
+  <p:clrMapOvr>
+    <a:masterClrMapping/>
+  </p:clrMapOvr>
+</p:sld>
+</file>
+
+<file path=ppt/slides/slide14.xml><?xml version="1.0" encoding="utf-8"?>
+<p:sld xmlns:a="http://schemas.openxmlformats.org/drawingml/2006/main" xmlns:r="http://schemas.openxmlformats.org/officeDocument/2006/relationships" xmlns:p="http://schemas.openxmlformats.org/presentationml/2006/main">
+  <p:cSld>
+    <p:spTree>
+      <p:nvGrpSpPr>
+        <p:cNvPr id="1" name=""/>
+        <p:cNvGrpSpPr/>
+        <p:nvPr/>
+      </p:nvGrpSpPr>
+      <p:grpSpPr>
+        <a:xfrm>
+          <a:off x="0" y="0"/>
+          <a:ext cx="0" cy="0"/>
+          <a:chOff x="0" y="0"/>
+          <a:chExt cx="0" cy="0"/>
+        </a:xfrm>
+      </p:grpSpPr>
+      <p:sp>
+        <p:nvSpPr>
+          <p:cNvPr id="2" name="Título 1">
+            <a:extLst>
+              <a:ext uri="{FF2B5EF4-FFF2-40B4-BE49-F238E27FC236}">
+                <a16:creationId xmlns:a16="http://schemas.microsoft.com/office/drawing/2014/main" id="{6166E710-2334-4E9B-A44D-107BF1483D13}"/>
+              </a:ext>
+            </a:extLst>
+          </p:cNvPr>
+          <p:cNvSpPr>
+            <a:spLocks noGrp="1"/>
+          </p:cNvSpPr>
+          <p:nvPr>
+            <p:ph type="title"/>
+          </p:nvPr>
+        </p:nvSpPr>
+        <p:spPr>
+          <a:xfrm>
+            <a:off x="677335" y="702366"/>
+            <a:ext cx="8596668" cy="702365"/>
+          </a:xfrm>
+        </p:spPr>
+        <p:txBody>
+          <a:bodyPr>
+            <a:normAutofit fontScale="90000"/>
+          </a:bodyPr>
+          <a:lstStyle/>
+          <a:p>
+            <a:r>
+              <a:rPr lang="es-PY" dirty="0"/>
+              <a:t>Conclusión</a:t>
+            </a:r>
+          </a:p>
+        </p:txBody>
+      </p:sp>
+      <p:graphicFrame>
+        <p:nvGraphicFramePr>
+          <p:cNvPr id="4" name="Tabla 3">
+            <a:extLst>
+              <a:ext uri="{FF2B5EF4-FFF2-40B4-BE49-F238E27FC236}">
+                <a16:creationId xmlns:a16="http://schemas.microsoft.com/office/drawing/2014/main" id="{494C933C-F5A4-4AAA-8A42-FEC139CD8F32}"/>
+              </a:ext>
+            </a:extLst>
+          </p:cNvPr>
+          <p:cNvGraphicFramePr>
+            <a:graphicFrameLocks noGrp="1"/>
+          </p:cNvGraphicFramePr>
+          <p:nvPr>
+            <p:extLst>
+              <p:ext uri="{D42A27DB-BD31-4B8C-83A1-F6EECF244321}">
+                <p14:modId xmlns:p14="http://schemas.microsoft.com/office/powerpoint/2010/main" val="3114864090"/>
+              </p:ext>
+            </p:extLst>
+          </p:nvPr>
+        </p:nvGraphicFramePr>
+        <p:xfrm>
+          <a:off x="677335" y="2287083"/>
+          <a:ext cx="8916714" cy="2011680"/>
+        </p:xfrm>
+        <a:graphic>
+          <a:graphicData uri="http://schemas.openxmlformats.org/drawingml/2006/table">
+            <a:tbl>
+              <a:tblPr/>
+              <a:tblGrid>
+                <a:gridCol w="1486119">
+                  <a:extLst>
+                    <a:ext uri="{9D8B030D-6E8A-4147-A177-3AD203B41FA5}">
+                      <a16:colId xmlns:a16="http://schemas.microsoft.com/office/drawing/2014/main" val="2709305780"/>
+                    </a:ext>
+                  </a:extLst>
+                </a:gridCol>
+                <a:gridCol w="1486119">
+                  <a:extLst>
+                    <a:ext uri="{9D8B030D-6E8A-4147-A177-3AD203B41FA5}">
+                      <a16:colId xmlns:a16="http://schemas.microsoft.com/office/drawing/2014/main" val="2971708204"/>
+                    </a:ext>
+                  </a:extLst>
+                </a:gridCol>
+                <a:gridCol w="1486119">
+                  <a:extLst>
+                    <a:ext uri="{9D8B030D-6E8A-4147-A177-3AD203B41FA5}">
+                      <a16:colId xmlns:a16="http://schemas.microsoft.com/office/drawing/2014/main" val="3160240921"/>
+                    </a:ext>
+                  </a:extLst>
+                </a:gridCol>
+                <a:gridCol w="1486119">
+                  <a:extLst>
+                    <a:ext uri="{9D8B030D-6E8A-4147-A177-3AD203B41FA5}">
+                      <a16:colId xmlns:a16="http://schemas.microsoft.com/office/drawing/2014/main" val="3703111006"/>
+                    </a:ext>
+                  </a:extLst>
+                </a:gridCol>
+                <a:gridCol w="1486119">
+                  <a:extLst>
+                    <a:ext uri="{9D8B030D-6E8A-4147-A177-3AD203B41FA5}">
+                      <a16:colId xmlns:a16="http://schemas.microsoft.com/office/drawing/2014/main" val="4246748610"/>
+                    </a:ext>
+                  </a:extLst>
+                </a:gridCol>
+                <a:gridCol w="1486119">
+                  <a:extLst>
+                    <a:ext uri="{9D8B030D-6E8A-4147-A177-3AD203B41FA5}">
+                      <a16:colId xmlns:a16="http://schemas.microsoft.com/office/drawing/2014/main" val="3738104793"/>
+                    </a:ext>
+                  </a:extLst>
+                </a:gridCol>
+              </a:tblGrid>
+              <a:tr h="640080">
+                <a:tc>
+                  <a:txBody>
+                    <a:bodyPr/>
+                    <a:lstStyle/>
+                    <a:p>
+                      <a:r>
+                        <a:rPr lang="es-PY" sz="1800"/>
+                        <a:t>Técnica</a:t>
+                      </a:r>
+                    </a:p>
+                  </a:txBody>
+                  <a:tcPr anchor="ctr">
+                    <a:lnL>
+                      <a:noFill/>
+                    </a:lnL>
+                    <a:lnR>
+                      <a:noFill/>
+                    </a:lnR>
+                    <a:lnT>
+                      <a:noFill/>
+                    </a:lnT>
+                    <a:lnB>
+                      <a:noFill/>
+                    </a:lnB>
+                  </a:tcPr>
+                </a:tc>
+                <a:tc>
+                  <a:txBody>
+                    <a:bodyPr/>
+                    <a:lstStyle/>
+                    <a:p>
+                      <a:r>
+                        <a:rPr lang="es-PY" sz="1800"/>
+                        <a:t>Brillo (AMBE)</a:t>
+                      </a:r>
+                    </a:p>
+                  </a:txBody>
+                  <a:tcPr anchor="ctr">
+                    <a:lnL>
+                      <a:noFill/>
+                    </a:lnL>
+                    <a:lnR>
+                      <a:noFill/>
+                    </a:lnR>
+                    <a:lnT>
+                      <a:noFill/>
+                    </a:lnT>
+                    <a:lnB>
+                      <a:noFill/>
+                    </a:lnB>
+                  </a:tcPr>
+                </a:tc>
+                <a:tc>
+                  <a:txBody>
+                    <a:bodyPr/>
+                    <a:lstStyle/>
+                    <a:p>
+                      <a:r>
+                        <a:rPr lang="es-PY" sz="1800"/>
+                        <a:t>Fidelidad (PSNR)</a:t>
+                      </a:r>
+                    </a:p>
+                  </a:txBody>
+                  <a:tcPr anchor="ctr">
+                    <a:lnL>
+                      <a:noFill/>
+                    </a:lnL>
+                    <a:lnR>
+                      <a:noFill/>
+                    </a:lnR>
+                    <a:lnT>
+                      <a:noFill/>
+                    </a:lnT>
+                    <a:lnB>
+                      <a:noFill/>
+                    </a:lnB>
+                  </a:tcPr>
+                </a:tc>
+                <a:tc>
+                  <a:txBody>
+                    <a:bodyPr/>
+                    <a:lstStyle/>
+                    <a:p>
+                      <a:r>
+                        <a:rPr lang="es-PY" sz="1800"/>
+                        <a:t>Contraste</a:t>
+                      </a:r>
+                    </a:p>
+                  </a:txBody>
+                  <a:tcPr anchor="ctr">
+                    <a:lnL>
+                      <a:noFill/>
+                    </a:lnL>
+                    <a:lnR>
+                      <a:noFill/>
+                    </a:lnR>
+                    <a:lnT>
+                      <a:noFill/>
+                    </a:lnT>
+                    <a:lnB>
+                      <a:noFill/>
+                    </a:lnB>
+                  </a:tcPr>
+                </a:tc>
+                <a:tc>
+                  <a:txBody>
+                    <a:bodyPr/>
+                    <a:lstStyle/>
+                    <a:p>
+                      <a:r>
+                        <a:rPr lang="es-PY" sz="1800"/>
+                        <a:t>Detalle (Entropía)</a:t>
+                      </a:r>
+                    </a:p>
+                  </a:txBody>
+                  <a:tcPr anchor="ctr">
+                    <a:lnL>
+                      <a:noFill/>
+                    </a:lnL>
+                    <a:lnR>
+                      <a:noFill/>
+                    </a:lnR>
+                    <a:lnT>
+                      <a:noFill/>
+                    </a:lnT>
+                    <a:lnB>
+                      <a:noFill/>
+                    </a:lnB>
+                  </a:tcPr>
+                </a:tc>
+                <a:tc>
+                  <a:txBody>
+                    <a:bodyPr/>
+                    <a:lstStyle/>
+                    <a:p>
+                      <a:r>
+                        <a:rPr lang="es-PY" sz="1800"/>
+                        <a:t>Estilo</a:t>
+                      </a:r>
+                    </a:p>
+                  </a:txBody>
+                  <a:tcPr anchor="ctr">
+                    <a:lnL>
+                      <a:noFill/>
+                    </a:lnL>
+                    <a:lnR>
+                      <a:noFill/>
+                    </a:lnR>
+                    <a:lnT>
+                      <a:noFill/>
+                    </a:lnT>
+                    <a:lnB>
+                      <a:noFill/>
+                    </a:lnB>
+                  </a:tcPr>
+                </a:tc>
+                <a:extLst>
+                  <a:ext uri="{0D108BD9-81ED-4DB2-BD59-A6C34878D82A}">
+                    <a16:rowId xmlns:a16="http://schemas.microsoft.com/office/drawing/2014/main" val="730977254"/>
+                  </a:ext>
+                </a:extLst>
+              </a:tr>
+              <a:tr h="365760">
+                <a:tc>
+                  <a:txBody>
+                    <a:bodyPr/>
+                    <a:lstStyle/>
+                    <a:p>
+                      <a:r>
+                        <a:rPr lang="es-PY" sz="1800" b="1"/>
+                        <a:t>HE</a:t>
+                      </a:r>
+                      <a:endParaRPr lang="es-PY" sz="1800"/>
+                    </a:p>
+                  </a:txBody>
+                  <a:tcPr anchor="ctr">
+                    <a:lnL>
+                      <a:noFill/>
+                    </a:lnL>
+                    <a:lnR>
+                      <a:noFill/>
+                    </a:lnR>
+                    <a:lnT>
+                      <a:noFill/>
+                    </a:lnT>
+                    <a:lnB>
+                      <a:noFill/>
+                    </a:lnB>
+                  </a:tcPr>
+                </a:tc>
+                <a:tc>
+                  <a:txBody>
+                    <a:bodyPr/>
+                    <a:lstStyle/>
+                    <a:p>
+                      <a:r>
+                        <a:rPr lang="es-PY" sz="1800"/>
+                        <a:t>Muy alto</a:t>
+                      </a:r>
+                    </a:p>
+                  </a:txBody>
+                  <a:tcPr anchor="ctr">
+                    <a:lnL>
+                      <a:noFill/>
+                    </a:lnL>
+                    <a:lnR>
+                      <a:noFill/>
+                    </a:lnR>
+                    <a:lnT>
+                      <a:noFill/>
+                    </a:lnT>
+                    <a:lnB>
+                      <a:noFill/>
+                    </a:lnB>
+                  </a:tcPr>
+                </a:tc>
+                <a:tc>
+                  <a:txBody>
+                    <a:bodyPr/>
+                    <a:lstStyle/>
+                    <a:p>
+                      <a:r>
+                        <a:rPr lang="es-PY" sz="1800"/>
+                        <a:t>Aceptable</a:t>
+                      </a:r>
+                    </a:p>
+                  </a:txBody>
+                  <a:tcPr anchor="ctr">
+                    <a:lnL>
+                      <a:noFill/>
+                    </a:lnL>
+                    <a:lnR>
+                      <a:noFill/>
+                    </a:lnR>
+                    <a:lnT>
+                      <a:noFill/>
+                    </a:lnT>
+                    <a:lnB>
+                      <a:noFill/>
+                    </a:lnB>
+                  </a:tcPr>
+                </a:tc>
+                <a:tc>
+                  <a:txBody>
+                    <a:bodyPr/>
+                    <a:lstStyle/>
+                    <a:p>
+                      <a:r>
+                        <a:rPr lang="es-PY" sz="1800"/>
+                        <a:t>Muy alto</a:t>
+                      </a:r>
+                    </a:p>
+                  </a:txBody>
+                  <a:tcPr anchor="ctr">
+                    <a:lnL>
+                      <a:noFill/>
+                    </a:lnL>
+                    <a:lnR>
+                      <a:noFill/>
+                    </a:lnR>
+                    <a:lnT>
+                      <a:noFill/>
+                    </a:lnT>
+                    <a:lnB>
+                      <a:noFill/>
+                    </a:lnB>
+                  </a:tcPr>
+                </a:tc>
+                <a:tc>
+                  <a:txBody>
+                    <a:bodyPr/>
+                    <a:lstStyle/>
+                    <a:p>
+                      <a:r>
+                        <a:rPr lang="es-PY" sz="1800"/>
+                        <a:t>Bajo</a:t>
+                      </a:r>
+                    </a:p>
+                  </a:txBody>
+                  <a:tcPr anchor="ctr">
+                    <a:lnL>
+                      <a:noFill/>
+                    </a:lnL>
+                    <a:lnR>
+                      <a:noFill/>
+                    </a:lnR>
+                    <a:lnT>
+                      <a:noFill/>
+                    </a:lnT>
+                    <a:lnB>
+                      <a:noFill/>
+                    </a:lnB>
+                  </a:tcPr>
+                </a:tc>
+                <a:tc>
+                  <a:txBody>
+                    <a:bodyPr/>
+                    <a:lstStyle/>
+                    <a:p>
+                      <a:r>
+                        <a:rPr lang="es-PY" sz="1800"/>
+                        <a:t>Agresivo</a:t>
+                      </a:r>
+                    </a:p>
+                  </a:txBody>
+                  <a:tcPr anchor="ctr">
+                    <a:lnL>
+                      <a:noFill/>
+                    </a:lnL>
+                    <a:lnR>
+                      <a:noFill/>
+                    </a:lnR>
+                    <a:lnT>
+                      <a:noFill/>
+                    </a:lnT>
+                    <a:lnB>
+                      <a:noFill/>
+                    </a:lnB>
+                  </a:tcPr>
+                </a:tc>
+                <a:extLst>
+                  <a:ext uri="{0D108BD9-81ED-4DB2-BD59-A6C34878D82A}">
+                    <a16:rowId xmlns:a16="http://schemas.microsoft.com/office/drawing/2014/main" val="1972956721"/>
+                  </a:ext>
+                </a:extLst>
+              </a:tr>
+              <a:tr h="365760">
+                <a:tc>
+                  <a:txBody>
+                    <a:bodyPr/>
+                    <a:lstStyle/>
+                    <a:p>
+                      <a:r>
+                        <a:rPr lang="es-PY" sz="1800" b="1"/>
+                        <a:t>CLAHE</a:t>
+                      </a:r>
+                      <a:endParaRPr lang="es-PY" sz="1800"/>
+                    </a:p>
+                  </a:txBody>
+                  <a:tcPr anchor="ctr">
+                    <a:lnL>
+                      <a:noFill/>
+                    </a:lnL>
+                    <a:lnR>
+                      <a:noFill/>
+                    </a:lnR>
+                    <a:lnT>
+                      <a:noFill/>
+                    </a:lnT>
+                    <a:lnB>
+                      <a:noFill/>
+                    </a:lnB>
+                  </a:tcPr>
+                </a:tc>
+                <a:tc>
+                  <a:txBody>
+                    <a:bodyPr/>
+                    <a:lstStyle/>
+                    <a:p>
+                      <a:r>
+                        <a:rPr lang="es-PY" sz="1800"/>
+                        <a:t>Medio</a:t>
+                      </a:r>
+                    </a:p>
+                  </a:txBody>
+                  <a:tcPr anchor="ctr">
+                    <a:lnL>
+                      <a:noFill/>
+                    </a:lnL>
+                    <a:lnR>
+                      <a:noFill/>
+                    </a:lnR>
+                    <a:lnT>
+                      <a:noFill/>
+                    </a:lnT>
+                    <a:lnB>
+                      <a:noFill/>
+                    </a:lnB>
+                  </a:tcPr>
+                </a:tc>
+                <a:tc>
+                  <a:txBody>
+                    <a:bodyPr/>
+                    <a:lstStyle/>
+                    <a:p>
+                      <a:r>
+                        <a:rPr lang="es-PY" sz="1800"/>
+                        <a:t>Bueno</a:t>
+                      </a:r>
+                    </a:p>
+                  </a:txBody>
+                  <a:tcPr anchor="ctr">
+                    <a:lnL>
+                      <a:noFill/>
+                    </a:lnL>
+                    <a:lnR>
+                      <a:noFill/>
+                    </a:lnR>
+                    <a:lnT>
+                      <a:noFill/>
+                    </a:lnT>
+                    <a:lnB>
+                      <a:noFill/>
+                    </a:lnB>
+                  </a:tcPr>
+                </a:tc>
+                <a:tc>
+                  <a:txBody>
+                    <a:bodyPr/>
+                    <a:lstStyle/>
+                    <a:p>
+                      <a:r>
+                        <a:rPr lang="es-PY" sz="1800"/>
+                        <a:t>Balanceado</a:t>
+                      </a:r>
+                    </a:p>
+                  </a:txBody>
+                  <a:tcPr anchor="ctr">
+                    <a:lnL>
+                      <a:noFill/>
+                    </a:lnL>
+                    <a:lnR>
+                      <a:noFill/>
+                    </a:lnR>
+                    <a:lnT>
+                      <a:noFill/>
+                    </a:lnT>
+                    <a:lnB>
+                      <a:noFill/>
+                    </a:lnB>
+                  </a:tcPr>
+                </a:tc>
+                <a:tc>
+                  <a:txBody>
+                    <a:bodyPr/>
+                    <a:lstStyle/>
+                    <a:p>
+                      <a:r>
+                        <a:rPr lang="es-PY" sz="1800"/>
+                        <a:t>Alto</a:t>
+                      </a:r>
+                    </a:p>
+                  </a:txBody>
+                  <a:tcPr anchor="ctr">
+                    <a:lnL>
+                      <a:noFill/>
+                    </a:lnL>
+                    <a:lnR>
+                      <a:noFill/>
+                    </a:lnR>
+                    <a:lnT>
+                      <a:noFill/>
+                    </a:lnT>
+                    <a:lnB>
+                      <a:noFill/>
+                    </a:lnB>
+                  </a:tcPr>
+                </a:tc>
+                <a:tc>
+                  <a:txBody>
+                    <a:bodyPr/>
+                    <a:lstStyle/>
+                    <a:p>
+                      <a:r>
+                        <a:rPr lang="es-PY" sz="1800"/>
+                        <a:t>Natural</a:t>
+                      </a:r>
+                    </a:p>
+                  </a:txBody>
+                  <a:tcPr anchor="ctr">
+                    <a:lnL>
+                      <a:noFill/>
+                    </a:lnL>
+                    <a:lnR>
+                      <a:noFill/>
+                    </a:lnR>
+                    <a:lnT>
+                      <a:noFill/>
+                    </a:lnT>
+                    <a:lnB>
+                      <a:noFill/>
+                    </a:lnB>
+                  </a:tcPr>
+                </a:tc>
+                <a:extLst>
+                  <a:ext uri="{0D108BD9-81ED-4DB2-BD59-A6C34878D82A}">
+                    <a16:rowId xmlns:a16="http://schemas.microsoft.com/office/drawing/2014/main" val="1862000483"/>
+                  </a:ext>
+                </a:extLst>
+              </a:tr>
+              <a:tr h="640080">
+                <a:tc>
+                  <a:txBody>
+                    <a:bodyPr/>
+                    <a:lstStyle/>
+                    <a:p>
+                      <a:r>
+                        <a:rPr lang="es-PY" sz="1800" b="1"/>
+                        <a:t>QHELC</a:t>
+                      </a:r>
+                      <a:endParaRPr lang="es-PY" sz="1800"/>
+                    </a:p>
+                  </a:txBody>
+                  <a:tcPr anchor="ctr">
+                    <a:lnL>
+                      <a:noFill/>
+                    </a:lnL>
+                    <a:lnR>
+                      <a:noFill/>
+                    </a:lnR>
+                    <a:lnT>
+                      <a:noFill/>
+                    </a:lnT>
+                    <a:lnB>
+                      <a:noFill/>
+                    </a:lnB>
+                  </a:tcPr>
+                </a:tc>
+                <a:tc>
+                  <a:txBody>
+                    <a:bodyPr/>
+                    <a:lstStyle/>
+                    <a:p>
+                      <a:r>
+                        <a:rPr lang="es-PY" sz="1800"/>
+                        <a:t>Muy bajo</a:t>
+                      </a:r>
+                    </a:p>
+                  </a:txBody>
+                  <a:tcPr anchor="ctr">
+                    <a:lnL>
+                      <a:noFill/>
+                    </a:lnL>
+                    <a:lnR>
+                      <a:noFill/>
+                    </a:lnR>
+                    <a:lnT>
+                      <a:noFill/>
+                    </a:lnT>
+                    <a:lnB>
+                      <a:noFill/>
+                    </a:lnB>
+                  </a:tcPr>
+                </a:tc>
+                <a:tc>
+                  <a:txBody>
+                    <a:bodyPr/>
+                    <a:lstStyle/>
+                    <a:p>
+                      <a:r>
+                        <a:rPr lang="es-PY" sz="1800"/>
+                        <a:t>Excelente</a:t>
+                      </a:r>
+                    </a:p>
+                  </a:txBody>
+                  <a:tcPr anchor="ctr">
+                    <a:lnL>
+                      <a:noFill/>
+                    </a:lnL>
+                    <a:lnR>
+                      <a:noFill/>
+                    </a:lnR>
+                    <a:lnT>
+                      <a:noFill/>
+                    </a:lnT>
+                    <a:lnB>
+                      <a:noFill/>
+                    </a:lnB>
+                  </a:tcPr>
+                </a:tc>
+                <a:tc>
+                  <a:txBody>
+                    <a:bodyPr/>
+                    <a:lstStyle/>
+                    <a:p>
+                      <a:r>
+                        <a:rPr lang="es-PY" sz="1800"/>
+                        <a:t>Suave</a:t>
+                      </a:r>
+                    </a:p>
+                  </a:txBody>
+                  <a:tcPr anchor="ctr">
+                    <a:lnL>
+                      <a:noFill/>
+                    </a:lnL>
+                    <a:lnR>
+                      <a:noFill/>
+                    </a:lnR>
+                    <a:lnT>
+                      <a:noFill/>
+                    </a:lnT>
+                    <a:lnB>
+                      <a:noFill/>
+                    </a:lnB>
+                  </a:tcPr>
+                </a:tc>
+                <a:tc>
+                  <a:txBody>
+                    <a:bodyPr/>
+                    <a:lstStyle/>
+                    <a:p>
+                      <a:r>
+                        <a:rPr lang="es-PY" sz="1800"/>
+                        <a:t>Alto</a:t>
+                      </a:r>
+                    </a:p>
+                  </a:txBody>
+                  <a:tcPr anchor="ctr">
+                    <a:lnL>
+                      <a:noFill/>
+                    </a:lnL>
+                    <a:lnR>
+                      <a:noFill/>
+                    </a:lnR>
+                    <a:lnT>
+                      <a:noFill/>
+                    </a:lnT>
+                    <a:lnB>
+                      <a:noFill/>
+                    </a:lnB>
+                  </a:tcPr>
+                </a:tc>
+                <a:tc>
+                  <a:txBody>
+                    <a:bodyPr/>
+                    <a:lstStyle/>
+                    <a:p>
+                      <a:r>
+                        <a:rPr lang="es-PY" sz="1800" dirty="0"/>
+                        <a:t>Conservador</a:t>
+                      </a:r>
+                    </a:p>
+                  </a:txBody>
+                  <a:tcPr anchor="ctr">
+                    <a:lnL>
+                      <a:noFill/>
+                    </a:lnL>
+                    <a:lnR>
+                      <a:noFill/>
+                    </a:lnR>
+                    <a:lnT>
+                      <a:noFill/>
+                    </a:lnT>
+                    <a:lnB>
+                      <a:noFill/>
+                    </a:lnB>
+                  </a:tcPr>
+                </a:tc>
+                <a:extLst>
+                  <a:ext uri="{0D108BD9-81ED-4DB2-BD59-A6C34878D82A}">
+                    <a16:rowId xmlns:a16="http://schemas.microsoft.com/office/drawing/2014/main" val="1932115045"/>
+                  </a:ext>
+                </a:extLst>
+              </a:tr>
+            </a:tbl>
+          </a:graphicData>
+        </a:graphic>
+      </p:graphicFrame>
+    </p:spTree>
+    <p:extLst>
+      <p:ext uri="{BB962C8B-B14F-4D97-AF65-F5344CB8AC3E}">
+        <p14:creationId xmlns:p14="http://schemas.microsoft.com/office/powerpoint/2010/main" val="3298730023"/>
+      </p:ext>
+    </p:extLst>
+  </p:cSld>
+  <p:clrMapOvr>
+    <a:masterClrMapping/>
+  </p:clrMapOvr>
+</p:sld>
+</file>
+
 <file path=ppt/slides/slide2.xml><?xml version="1.0" encoding="utf-8"?>
 <p:sld xmlns:a="http://schemas.openxmlformats.org/drawingml/2006/main" xmlns:r="http://schemas.openxmlformats.org/officeDocument/2006/relationships" xmlns:p="http://schemas.openxmlformats.org/presentationml/2006/main">
   <p:cSld>

--- a/Presentacion.pptx
+++ b/Presentacion.pptx
@@ -7,18 +7,16 @@
   <p:sldIdLst>
     <p:sldId id="256" r:id="rId2"/>
     <p:sldId id="257" r:id="rId3"/>
-    <p:sldId id="258" r:id="rId4"/>
-    <p:sldId id="259" r:id="rId5"/>
-    <p:sldId id="260" r:id="rId6"/>
-    <p:sldId id="261" r:id="rId7"/>
-    <p:sldId id="262" r:id="rId8"/>
-    <p:sldId id="263" r:id="rId9"/>
-    <p:sldId id="264" r:id="rId10"/>
-    <p:sldId id="265" r:id="rId11"/>
-    <p:sldId id="266" r:id="rId12"/>
-    <p:sldId id="267" r:id="rId13"/>
-    <p:sldId id="268" r:id="rId14"/>
-    <p:sldId id="269" r:id="rId15"/>
+    <p:sldId id="268" r:id="rId4"/>
+    <p:sldId id="258" r:id="rId5"/>
+    <p:sldId id="259" r:id="rId6"/>
+    <p:sldId id="272" r:id="rId7"/>
+    <p:sldId id="273" r:id="rId8"/>
+    <p:sldId id="274" r:id="rId9"/>
+    <p:sldId id="275" r:id="rId10"/>
+    <p:sldId id="270" r:id="rId11"/>
+    <p:sldId id="271" r:id="rId12"/>
+    <p:sldId id="269" r:id="rId13"/>
   </p:sldIdLst>
   <p:sldSz cx="12192000" cy="6858000"/>
   <p:notesSz cx="6858000" cy="9144000"/>
@@ -5952,70 +5950,438 @@
           <a:chExt cx="0" cy="0"/>
         </a:xfrm>
       </p:grpSpPr>
-      <p:pic>
-        <p:nvPicPr>
-          <p:cNvPr id="5" name="Imagen 4">
+      <p:sp>
+        <p:nvSpPr>
+          <p:cNvPr id="2" name="Título 1">
             <a:extLst>
               <a:ext uri="{FF2B5EF4-FFF2-40B4-BE49-F238E27FC236}">
-                <a16:creationId xmlns:a16="http://schemas.microsoft.com/office/drawing/2014/main" id="{CB705829-CB02-49DC-AF55-F42ACAC2F211}"/>
+                <a16:creationId xmlns:a16="http://schemas.microsoft.com/office/drawing/2014/main" id="{0FE4EC79-B00E-42A4-B496-CF6F6C1EEF0A}"/>
               </a:ext>
             </a:extLst>
           </p:cNvPr>
-          <p:cNvPicPr>
-            <a:picLocks noChangeAspect="1"/>
-          </p:cNvPicPr>
-          <p:nvPr/>
-        </p:nvPicPr>
-        <p:blipFill>
-          <a:blip r:embed="rId2"/>
-          <a:stretch>
-            <a:fillRect/>
-          </a:stretch>
-        </p:blipFill>
+          <p:cNvSpPr>
+            <a:spLocks noGrp="1"/>
+          </p:cNvSpPr>
+          <p:nvPr>
+            <p:ph type="title"/>
+          </p:nvPr>
+        </p:nvSpPr>
         <p:spPr>
           <a:xfrm>
-            <a:off x="358654" y="485128"/>
-            <a:ext cx="6903538" cy="1516734"/>
+            <a:off x="677335" y="609600"/>
+            <a:ext cx="8596668" cy="1205753"/>
+          </a:xfrm>
+        </p:spPr>
+        <p:txBody>
+          <a:bodyPr/>
+          <a:lstStyle/>
+          <a:p>
+            <a:r>
+              <a:rPr lang="es-PY" dirty="0"/>
+              <a:t>Resultados</a:t>
+            </a:r>
+          </a:p>
+        </p:txBody>
+      </p:sp>
+      <p:graphicFrame>
+        <p:nvGraphicFramePr>
+          <p:cNvPr id="5" name="Tabla 5">
+            <a:extLst>
+              <a:ext uri="{FF2B5EF4-FFF2-40B4-BE49-F238E27FC236}">
+                <a16:creationId xmlns:a16="http://schemas.microsoft.com/office/drawing/2014/main" id="{2AC53FE3-BC4E-45BA-81F6-FB318BC8F67E}"/>
+              </a:ext>
+            </a:extLst>
+          </p:cNvPr>
+          <p:cNvGraphicFramePr>
+            <a:graphicFrameLocks noGrp="1"/>
+          </p:cNvGraphicFramePr>
+          <p:nvPr>
+            <p:extLst>
+              <p:ext uri="{D42A27DB-BD31-4B8C-83A1-F6EECF244321}">
+                <p14:modId xmlns:p14="http://schemas.microsoft.com/office/powerpoint/2010/main" val="3434581340"/>
+              </p:ext>
+            </p:extLst>
+          </p:nvPr>
+        </p:nvGraphicFramePr>
+        <p:xfrm>
+          <a:off x="911669" y="2819698"/>
+          <a:ext cx="8128000" cy="1483360"/>
+        </p:xfrm>
+        <a:graphic>
+          <a:graphicData uri="http://schemas.openxmlformats.org/drawingml/2006/table">
+            <a:tbl>
+              <a:tblPr firstRow="1" bandRow="1">
+                <a:tableStyleId>{5C22544A-7EE6-4342-B048-85BDC9FD1C3A}</a:tableStyleId>
+              </a:tblPr>
+              <a:tblGrid>
+                <a:gridCol w="1625600">
+                  <a:extLst>
+                    <a:ext uri="{9D8B030D-6E8A-4147-A177-3AD203B41FA5}">
+                      <a16:colId xmlns:a16="http://schemas.microsoft.com/office/drawing/2014/main" val="3781460647"/>
+                    </a:ext>
+                  </a:extLst>
+                </a:gridCol>
+                <a:gridCol w="1625600">
+                  <a:extLst>
+                    <a:ext uri="{9D8B030D-6E8A-4147-A177-3AD203B41FA5}">
+                      <a16:colId xmlns:a16="http://schemas.microsoft.com/office/drawing/2014/main" val="1182550869"/>
+                    </a:ext>
+                  </a:extLst>
+                </a:gridCol>
+                <a:gridCol w="1625600">
+                  <a:extLst>
+                    <a:ext uri="{9D8B030D-6E8A-4147-A177-3AD203B41FA5}">
+                      <a16:colId xmlns:a16="http://schemas.microsoft.com/office/drawing/2014/main" val="443512397"/>
+                    </a:ext>
+                  </a:extLst>
+                </a:gridCol>
+                <a:gridCol w="1625600">
+                  <a:extLst>
+                    <a:ext uri="{9D8B030D-6E8A-4147-A177-3AD203B41FA5}">
+                      <a16:colId xmlns:a16="http://schemas.microsoft.com/office/drawing/2014/main" val="1097437949"/>
+                    </a:ext>
+                  </a:extLst>
+                </a:gridCol>
+                <a:gridCol w="1625600">
+                  <a:extLst>
+                    <a:ext uri="{9D8B030D-6E8A-4147-A177-3AD203B41FA5}">
+                      <a16:colId xmlns:a16="http://schemas.microsoft.com/office/drawing/2014/main" val="1535140576"/>
+                    </a:ext>
+                  </a:extLst>
+                </a:gridCol>
+              </a:tblGrid>
+              <a:tr h="370840">
+                <a:tc>
+                  <a:txBody>
+                    <a:bodyPr/>
+                    <a:lstStyle/>
+                    <a:p>
+                      <a:r>
+                        <a:rPr lang="es-PY" dirty="0"/>
+                        <a:t>Técnica</a:t>
+                      </a:r>
+                    </a:p>
+                  </a:txBody>
+                  <a:tcPr/>
+                </a:tc>
+                <a:tc>
+                  <a:txBody>
+                    <a:bodyPr/>
+                    <a:lstStyle/>
+                    <a:p>
+                      <a:r>
+                        <a:rPr lang="es-PY" dirty="0"/>
+                        <a:t>AMBE</a:t>
+                      </a:r>
+                    </a:p>
+                  </a:txBody>
+                  <a:tcPr/>
+                </a:tc>
+                <a:tc>
+                  <a:txBody>
+                    <a:bodyPr/>
+                    <a:lstStyle/>
+                    <a:p>
+                      <a:r>
+                        <a:rPr lang="es-PY" dirty="0"/>
+                        <a:t>PSNR</a:t>
+                      </a:r>
+                    </a:p>
+                  </a:txBody>
+                  <a:tcPr/>
+                </a:tc>
+                <a:tc>
+                  <a:txBody>
+                    <a:bodyPr/>
+                    <a:lstStyle/>
+                    <a:p>
+                      <a:r>
+                        <a:rPr lang="es-PY" dirty="0"/>
+                        <a:t>Contraste</a:t>
+                      </a:r>
+                    </a:p>
+                  </a:txBody>
+                  <a:tcPr/>
+                </a:tc>
+                <a:tc>
+                  <a:txBody>
+                    <a:bodyPr/>
+                    <a:lstStyle/>
+                    <a:p>
+                      <a:r>
+                        <a:rPr lang="es-PY" dirty="0"/>
+                        <a:t>Entropía</a:t>
+                      </a:r>
+                    </a:p>
+                  </a:txBody>
+                  <a:tcPr/>
+                </a:tc>
+                <a:extLst>
+                  <a:ext uri="{0D108BD9-81ED-4DB2-BD59-A6C34878D82A}">
+                    <a16:rowId xmlns:a16="http://schemas.microsoft.com/office/drawing/2014/main" val="1405319747"/>
+                  </a:ext>
+                </a:extLst>
+              </a:tr>
+              <a:tr h="370840">
+                <a:tc>
+                  <a:txBody>
+                    <a:bodyPr/>
+                    <a:lstStyle/>
+                    <a:p>
+                      <a:r>
+                        <a:rPr lang="es-PY" dirty="0"/>
+                        <a:t>CLAHE</a:t>
+                      </a:r>
+                    </a:p>
+                  </a:txBody>
+                  <a:tcPr/>
+                </a:tc>
+                <a:tc>
+                  <a:txBody>
+                    <a:bodyPr/>
+                    <a:lstStyle/>
+                    <a:p>
+                      <a:r>
+                        <a:rPr lang="es-PY" dirty="0"/>
+                        <a:t>11,44</a:t>
+                      </a:r>
+                    </a:p>
+                  </a:txBody>
+                  <a:tcPr/>
+                </a:tc>
+                <a:tc>
+                  <a:txBody>
+                    <a:bodyPr/>
+                    <a:lstStyle/>
+                    <a:p>
+                      <a:r>
+                        <a:rPr lang="es-PY" dirty="0"/>
+                        <a:t>28,72</a:t>
+                      </a:r>
+                    </a:p>
+                  </a:txBody>
+                  <a:tcPr/>
+                </a:tc>
+                <a:tc>
+                  <a:txBody>
+                    <a:bodyPr/>
+                    <a:lstStyle/>
+                    <a:p>
+                      <a:r>
+                        <a:rPr lang="es-PY" dirty="0"/>
+                        <a:t>26,77</a:t>
+                      </a:r>
+                    </a:p>
+                  </a:txBody>
+                  <a:tcPr/>
+                </a:tc>
+                <a:tc>
+                  <a:txBody>
+                    <a:bodyPr/>
+                    <a:lstStyle/>
+                    <a:p>
+                      <a:r>
+                        <a:rPr lang="es-PY" dirty="0"/>
+                        <a:t>5,30</a:t>
+                      </a:r>
+                    </a:p>
+                  </a:txBody>
+                  <a:tcPr/>
+                </a:tc>
+                <a:extLst>
+                  <a:ext uri="{0D108BD9-81ED-4DB2-BD59-A6C34878D82A}">
+                    <a16:rowId xmlns:a16="http://schemas.microsoft.com/office/drawing/2014/main" val="2446787873"/>
+                  </a:ext>
+                </a:extLst>
+              </a:tr>
+              <a:tr h="370840">
+                <a:tc>
+                  <a:txBody>
+                    <a:bodyPr/>
+                    <a:lstStyle/>
+                    <a:p>
+                      <a:r>
+                        <a:rPr lang="es-PY" dirty="0"/>
+                        <a:t>HE</a:t>
+                      </a:r>
+                    </a:p>
+                  </a:txBody>
+                  <a:tcPr/>
+                </a:tc>
+                <a:tc>
+                  <a:txBody>
+                    <a:bodyPr/>
+                    <a:lstStyle/>
+                    <a:p>
+                      <a:r>
+                        <a:rPr lang="es-PY" dirty="0"/>
+                        <a:t>69,60</a:t>
+                      </a:r>
+                    </a:p>
+                  </a:txBody>
+                  <a:tcPr/>
+                </a:tc>
+                <a:tc>
+                  <a:txBody>
+                    <a:bodyPr/>
+                    <a:lstStyle/>
+                    <a:p>
+                      <a:r>
+                        <a:rPr lang="es-PY" dirty="0"/>
+                        <a:t>28,94</a:t>
+                      </a:r>
+                    </a:p>
+                  </a:txBody>
+                  <a:tcPr/>
+                </a:tc>
+                <a:tc>
+                  <a:txBody>
+                    <a:bodyPr/>
+                    <a:lstStyle/>
+                    <a:p>
+                      <a:r>
+                        <a:rPr lang="es-PY" dirty="0"/>
+                        <a:t>83,80</a:t>
+                      </a:r>
+                    </a:p>
+                  </a:txBody>
+                  <a:tcPr/>
+                </a:tc>
+                <a:tc>
+                  <a:txBody>
+                    <a:bodyPr/>
+                    <a:lstStyle/>
+                    <a:p>
+                      <a:r>
+                        <a:rPr lang="es-PY" dirty="0"/>
+                        <a:t>4,66</a:t>
+                      </a:r>
+                    </a:p>
+                  </a:txBody>
+                  <a:tcPr/>
+                </a:tc>
+                <a:extLst>
+                  <a:ext uri="{0D108BD9-81ED-4DB2-BD59-A6C34878D82A}">
+                    <a16:rowId xmlns:a16="http://schemas.microsoft.com/office/drawing/2014/main" val="3277133981"/>
+                  </a:ext>
+                </a:extLst>
+              </a:tr>
+              <a:tr h="370840">
+                <a:tc>
+                  <a:txBody>
+                    <a:bodyPr/>
+                    <a:lstStyle/>
+                    <a:p>
+                      <a:r>
+                        <a:rPr lang="es-PY" dirty="0"/>
+                        <a:t>QHELC</a:t>
+                      </a:r>
+                    </a:p>
+                  </a:txBody>
+                  <a:tcPr/>
+                </a:tc>
+                <a:tc>
+                  <a:txBody>
+                    <a:bodyPr/>
+                    <a:lstStyle/>
+                    <a:p>
+                      <a:r>
+                        <a:rPr lang="es-PY" dirty="0"/>
+                        <a:t>0,57</a:t>
+                      </a:r>
+                    </a:p>
+                  </a:txBody>
+                  <a:tcPr/>
+                </a:tc>
+                <a:tc>
+                  <a:txBody>
+                    <a:bodyPr/>
+                    <a:lstStyle/>
+                    <a:p>
+                      <a:r>
+                        <a:rPr lang="es-PY" dirty="0" err="1"/>
+                        <a:t>inf</a:t>
+                      </a:r>
+                      <a:endParaRPr lang="es-PY" dirty="0"/>
+                    </a:p>
+                  </a:txBody>
+                  <a:tcPr/>
+                </a:tc>
+                <a:tc>
+                  <a:txBody>
+                    <a:bodyPr/>
+                    <a:lstStyle/>
+                    <a:p>
+                      <a:r>
+                        <a:rPr lang="es-PY" dirty="0"/>
+                        <a:t>21,15</a:t>
+                      </a:r>
+                    </a:p>
+                  </a:txBody>
+                  <a:tcPr/>
+                </a:tc>
+                <a:tc>
+                  <a:txBody>
+                    <a:bodyPr/>
+                    <a:lstStyle/>
+                    <a:p>
+                      <a:r>
+                        <a:rPr lang="es-PY" dirty="0"/>
+                        <a:t>4,73</a:t>
+                      </a:r>
+                    </a:p>
+                  </a:txBody>
+                  <a:tcPr/>
+                </a:tc>
+                <a:extLst>
+                  <a:ext uri="{0D108BD9-81ED-4DB2-BD59-A6C34878D82A}">
+                    <a16:rowId xmlns:a16="http://schemas.microsoft.com/office/drawing/2014/main" val="1360242110"/>
+                  </a:ext>
+                </a:extLst>
+              </a:tr>
+            </a:tbl>
+          </a:graphicData>
+        </a:graphic>
+      </p:graphicFrame>
+      <p:sp>
+        <p:nvSpPr>
+          <p:cNvPr id="7" name="CuadroTexto 6">
+            <a:extLst>
+              <a:ext uri="{FF2B5EF4-FFF2-40B4-BE49-F238E27FC236}">
+                <a16:creationId xmlns:a16="http://schemas.microsoft.com/office/drawing/2014/main" id="{DEA9C72D-9597-494F-A345-4F9900990AB3}"/>
+              </a:ext>
+            </a:extLst>
+          </p:cNvPr>
+          <p:cNvSpPr txBox="1"/>
+          <p:nvPr/>
+        </p:nvSpPr>
+        <p:spPr>
+          <a:xfrm>
+            <a:off x="2105469" y="2259106"/>
+            <a:ext cx="5740400" cy="369332"/>
           </a:xfrm>
           <a:prstGeom prst="rect">
             <a:avLst/>
           </a:prstGeom>
+          <a:noFill/>
         </p:spPr>
-      </p:pic>
-      <p:pic>
-        <p:nvPicPr>
-          <p:cNvPr id="7" name="Imagen 6">
-            <a:extLst>
-              <a:ext uri="{FF2B5EF4-FFF2-40B4-BE49-F238E27FC236}">
-                <a16:creationId xmlns:a16="http://schemas.microsoft.com/office/drawing/2014/main" id="{22A17D3B-E402-4DED-9834-432565DFF092}"/>
-              </a:ext>
-            </a:extLst>
-          </p:cNvPr>
-          <p:cNvPicPr>
-            <a:picLocks noChangeAspect="1"/>
-          </p:cNvPicPr>
-          <p:nvPr/>
-        </p:nvPicPr>
-        <p:blipFill>
-          <a:blip r:embed="rId3"/>
-          <a:stretch>
-            <a:fillRect/>
-          </a:stretch>
-        </p:blipFill>
-        <p:spPr>
-          <a:xfrm>
-            <a:off x="484294" y="1960797"/>
-            <a:ext cx="7381269" cy="4214716"/>
-          </a:xfrm>
-          <a:prstGeom prst="rect">
-            <a:avLst/>
-          </a:prstGeom>
-        </p:spPr>
-      </p:pic>
+        <p:txBody>
+          <a:bodyPr wrap="square" rtlCol="0">
+            <a:spAutoFit/>
+          </a:bodyPr>
+          <a:lstStyle/>
+          <a:p>
+            <a:r>
+              <a:rPr lang="es-PY" dirty="0"/>
+              <a:t>Promedio de resultados para las imágenes procesadas</a:t>
+            </a:r>
+          </a:p>
+        </p:txBody>
+      </p:sp>
     </p:spTree>
     <p:extLst>
       <p:ext uri="{BB962C8B-B14F-4D97-AF65-F5344CB8AC3E}">
-        <p14:creationId xmlns:p14="http://schemas.microsoft.com/office/powerpoint/2010/main" val="939000444"/>
+        <p14:creationId xmlns:p14="http://schemas.microsoft.com/office/powerpoint/2010/main" val="208652685"/>
       </p:ext>
     </p:extLst>
   </p:cSld>
@@ -6044,43 +6410,118 @@
       </p:grpSpPr>
       <p:sp>
         <p:nvSpPr>
-          <p:cNvPr id="2" name="Título 1">
+          <p:cNvPr id="4" name="Título 1">
             <a:extLst>
               <a:ext uri="{FF2B5EF4-FFF2-40B4-BE49-F238E27FC236}">
-                <a16:creationId xmlns:a16="http://schemas.microsoft.com/office/drawing/2014/main" id="{A4D8A2B3-2CD9-4B9A-B913-FCC4CFB6885F}"/>
+                <a16:creationId xmlns:a16="http://schemas.microsoft.com/office/drawing/2014/main" id="{81E5A974-3619-4402-9478-25EBE91F02C3}"/>
               </a:ext>
             </a:extLst>
           </p:cNvPr>
-          <p:cNvSpPr>
-            <a:spLocks noGrp="1"/>
-          </p:cNvSpPr>
-          <p:nvPr>
-            <p:ph type="title"/>
-          </p:nvPr>
+          <p:cNvSpPr txBox="1">
+            <a:spLocks/>
+          </p:cNvSpPr>
+          <p:nvPr/>
         </p:nvSpPr>
         <p:spPr>
           <a:xfrm>
             <a:off x="677335" y="609600"/>
-            <a:ext cx="8596668" cy="848139"/>
+            <a:ext cx="8596668" cy="1205753"/>
           </a:xfrm>
+          <a:prstGeom prst="rect">
+            <a:avLst/>
+          </a:prstGeom>
         </p:spPr>
         <p:txBody>
-          <a:bodyPr/>
-          <a:lstStyle/>
-          <a:p>
-            <a:r>
-              <a:rPr lang="es-PY" dirty="0"/>
-              <a:t>Histograma ajustado</a:t>
-            </a:r>
+          <a:bodyPr vert="horz" lIns="91440" tIns="45720" rIns="91440" bIns="45720" rtlCol="0" anchor="t">
+            <a:normAutofit/>
+          </a:bodyPr>
+          <a:lstStyle>
+            <a:lvl1pPr algn="l" defTabSz="457200" rtl="0" eaLnBrk="1" latinLnBrk="0" hangingPunct="1">
+              <a:spcBef>
+                <a:spcPct val="0"/>
+              </a:spcBef>
+              <a:buNone/>
+              <a:defRPr sz="3600" kern="1200">
+                <a:solidFill>
+                  <a:schemeClr val="accent1"/>
+                </a:solidFill>
+                <a:latin typeface="+mj-lt"/>
+                <a:ea typeface="+mj-ea"/>
+                <a:cs typeface="+mj-cs"/>
+              </a:defRPr>
+            </a:lvl1pPr>
+            <a:lvl2pPr eaLnBrk="1" hangingPunct="1">
+              <a:defRPr>
+                <a:solidFill>
+                  <a:schemeClr val="tx2"/>
+                </a:solidFill>
+              </a:defRPr>
+            </a:lvl2pPr>
+            <a:lvl3pPr eaLnBrk="1" hangingPunct="1">
+              <a:defRPr>
+                <a:solidFill>
+                  <a:schemeClr val="tx2"/>
+                </a:solidFill>
+              </a:defRPr>
+            </a:lvl3pPr>
+            <a:lvl4pPr eaLnBrk="1" hangingPunct="1">
+              <a:defRPr>
+                <a:solidFill>
+                  <a:schemeClr val="tx2"/>
+                </a:solidFill>
+              </a:defRPr>
+            </a:lvl4pPr>
+            <a:lvl5pPr eaLnBrk="1" hangingPunct="1">
+              <a:defRPr>
+                <a:solidFill>
+                  <a:schemeClr val="tx2"/>
+                </a:solidFill>
+              </a:defRPr>
+            </a:lvl5pPr>
+            <a:lvl6pPr eaLnBrk="1" hangingPunct="1">
+              <a:defRPr>
+                <a:solidFill>
+                  <a:schemeClr val="tx2"/>
+                </a:solidFill>
+              </a:defRPr>
+            </a:lvl6pPr>
+            <a:lvl7pPr eaLnBrk="1" hangingPunct="1">
+              <a:defRPr>
+                <a:solidFill>
+                  <a:schemeClr val="tx2"/>
+                </a:solidFill>
+              </a:defRPr>
+            </a:lvl7pPr>
+            <a:lvl8pPr eaLnBrk="1" hangingPunct="1">
+              <a:defRPr>
+                <a:solidFill>
+                  <a:schemeClr val="tx2"/>
+                </a:solidFill>
+              </a:defRPr>
+            </a:lvl8pPr>
+            <a:lvl9pPr eaLnBrk="1" hangingPunct="1">
+              <a:defRPr>
+                <a:solidFill>
+                  <a:schemeClr val="tx2"/>
+                </a:solidFill>
+              </a:defRPr>
+            </a:lvl9pPr>
+          </a:lstStyle>
+          <a:p>
+            <a:r>
+              <a:rPr lang="es-PY"/>
+              <a:t>Resultados</a:t>
+            </a:r>
+            <a:endParaRPr lang="es-PY" dirty="0"/>
           </a:p>
         </p:txBody>
       </p:sp>
       <p:pic>
         <p:nvPicPr>
-          <p:cNvPr id="5" name="Imagen 4">
+          <p:cNvPr id="6" name="Imagen 5">
             <a:extLst>
               <a:ext uri="{FF2B5EF4-FFF2-40B4-BE49-F238E27FC236}">
-                <a16:creationId xmlns:a16="http://schemas.microsoft.com/office/drawing/2014/main" id="{9BC8E2A6-8CB1-46BD-B365-A4104AF465F5}"/>
+                <a16:creationId xmlns:a16="http://schemas.microsoft.com/office/drawing/2014/main" id="{CE4FA354-9005-4F51-853E-1850C87FEF2B}"/>
               </a:ext>
             </a:extLst>
           </p:cNvPr>
@@ -6090,67 +6531,67 @@
           <p:nvPr/>
         </p:nvPicPr>
         <p:blipFill>
-          <a:blip r:embed="rId2"/>
+          <a:blip r:embed="rId2">
+            <a:extLst>
+              <a:ext uri="{28A0092B-C50C-407E-A947-70E740481C1C}">
+                <a14:useLocalDpi xmlns:a14="http://schemas.microsoft.com/office/drawing/2010/main" val="0"/>
+              </a:ext>
+            </a:extLst>
+          </a:blip>
           <a:stretch>
             <a:fillRect/>
           </a:stretch>
         </p:blipFill>
         <p:spPr>
           <a:xfrm>
-            <a:off x="560886" y="1650011"/>
-            <a:ext cx="8465661" cy="1649780"/>
+            <a:off x="677334" y="4098191"/>
+            <a:ext cx="9744635" cy="2366655"/>
           </a:xfrm>
           <a:prstGeom prst="rect">
             <a:avLst/>
           </a:prstGeom>
         </p:spPr>
       </p:pic>
-      <p:sp>
-        <p:nvSpPr>
-          <p:cNvPr id="7" name="CuadroTexto 6">
+      <p:pic>
+        <p:nvPicPr>
+          <p:cNvPr id="8" name="Imagen 7">
             <a:extLst>
               <a:ext uri="{FF2B5EF4-FFF2-40B4-BE49-F238E27FC236}">
-                <a16:creationId xmlns:a16="http://schemas.microsoft.com/office/drawing/2014/main" id="{FF14747F-F14E-4E51-8B67-0696EA58EB29}"/>
+                <a16:creationId xmlns:a16="http://schemas.microsoft.com/office/drawing/2014/main" id="{D93D3B93-DBF2-44EC-A68D-BDCEBE7BADBF}"/>
               </a:ext>
             </a:extLst>
           </p:cNvPr>
-          <p:cNvSpPr txBox="1"/>
+          <p:cNvPicPr>
+            <a:picLocks noChangeAspect="1"/>
+          </p:cNvPicPr>
           <p:nvPr/>
-        </p:nvSpPr>
+        </p:nvPicPr>
+        <p:blipFill>
+          <a:blip r:embed="rId3">
+            <a:extLst>
+              <a:ext uri="{28A0092B-C50C-407E-A947-70E740481C1C}">
+                <a14:useLocalDpi xmlns:a14="http://schemas.microsoft.com/office/drawing/2010/main" val="0"/>
+              </a:ext>
+            </a:extLst>
+          </a:blip>
+          <a:stretch>
+            <a:fillRect/>
+          </a:stretch>
+        </p:blipFill>
         <p:spPr>
           <a:xfrm>
-            <a:off x="560886" y="3865818"/>
-            <a:ext cx="6102626" cy="1200329"/>
+            <a:off x="677335" y="1544851"/>
+            <a:ext cx="9744635" cy="2220118"/>
           </a:xfrm>
           <a:prstGeom prst="rect">
             <a:avLst/>
           </a:prstGeom>
-          <a:noFill/>
         </p:spPr>
-        <p:txBody>
-          <a:bodyPr wrap="square">
-            <a:spAutoFit/>
-          </a:bodyPr>
-          <a:lstStyle/>
-          <a:p>
-            <a:r>
-              <a:rPr lang="es-MX" dirty="0">
-                <a:latin typeface="Arial" panose="020B0604020202020204" pitchFamily="34" charset="0"/>
-                <a:cs typeface="Arial" panose="020B0604020202020204" pitchFamily="34" charset="0"/>
-              </a:rPr>
-              <a:t>Este proceso asegura una distribución más uniforme de las intensidades, evitando sobresaturación y mejorando el contraste localmente sin comprometer la estructura global.</a:t>
-            </a:r>
-            <a:endParaRPr lang="es-PY" dirty="0">
-              <a:latin typeface="Arial" panose="020B0604020202020204" pitchFamily="34" charset="0"/>
-              <a:cs typeface="Arial" panose="020B0604020202020204" pitchFamily="34" charset="0"/>
-            </a:endParaRPr>
-          </a:p>
-        </p:txBody>
-      </p:sp>
+      </p:pic>
     </p:spTree>
     <p:extLst>
       <p:ext uri="{BB962C8B-B14F-4D97-AF65-F5344CB8AC3E}">
-        <p14:creationId xmlns:p14="http://schemas.microsoft.com/office/powerpoint/2010/main" val="194033269"/>
+        <p14:creationId xmlns:p14="http://schemas.microsoft.com/office/powerpoint/2010/main" val="392942815"/>
       </p:ext>
     </p:extLst>
   </p:cSld>
@@ -6161,551 +6602,6 @@
 </file>
 
 <file path=ppt/slides/slide12.xml><?xml version="1.0" encoding="utf-8"?>
-<p:sld xmlns:a="http://schemas.openxmlformats.org/drawingml/2006/main" xmlns:r="http://schemas.openxmlformats.org/officeDocument/2006/relationships" xmlns:p="http://schemas.openxmlformats.org/presentationml/2006/main">
-  <p:cSld>
-    <p:spTree>
-      <p:nvGrpSpPr>
-        <p:cNvPr id="1" name=""/>
-        <p:cNvGrpSpPr/>
-        <p:nvPr/>
-      </p:nvGrpSpPr>
-      <p:grpSpPr>
-        <a:xfrm>
-          <a:off x="0" y="0"/>
-          <a:ext cx="0" cy="0"/>
-          <a:chOff x="0" y="0"/>
-          <a:chExt cx="0" cy="0"/>
-        </a:xfrm>
-      </p:grpSpPr>
-      <p:sp>
-        <p:nvSpPr>
-          <p:cNvPr id="2" name="Título 1">
-            <a:extLst>
-              <a:ext uri="{FF2B5EF4-FFF2-40B4-BE49-F238E27FC236}">
-                <a16:creationId xmlns:a16="http://schemas.microsoft.com/office/drawing/2014/main" id="{DD226373-C974-4388-B05B-7C30120D158B}"/>
-              </a:ext>
-            </a:extLst>
-          </p:cNvPr>
-          <p:cNvSpPr>
-            <a:spLocks noGrp="1"/>
-          </p:cNvSpPr>
-          <p:nvPr>
-            <p:ph type="title"/>
-          </p:nvPr>
-        </p:nvSpPr>
-        <p:spPr>
-          <a:xfrm>
-            <a:off x="677335" y="954156"/>
-            <a:ext cx="8596668" cy="662609"/>
-          </a:xfrm>
-        </p:spPr>
-        <p:txBody>
-          <a:bodyPr>
-            <a:normAutofit fontScale="90000"/>
-          </a:bodyPr>
-          <a:lstStyle/>
-          <a:p>
-            <a:r>
-              <a:rPr lang="es-MX" b="1" dirty="0"/>
-              <a:t>Ecualización independiente de cada </a:t>
-            </a:r>
-            <a:r>
-              <a:rPr lang="es-MX" b="1" dirty="0" err="1"/>
-              <a:t>sub-histograma</a:t>
-            </a:r>
-            <a:br>
-              <a:rPr lang="es-MX" b="1" dirty="0"/>
-            </a:br>
-            <a:endParaRPr lang="es-PY" dirty="0"/>
-          </a:p>
-        </p:txBody>
-      </p:sp>
-      <p:pic>
-        <p:nvPicPr>
-          <p:cNvPr id="5" name="Imagen 4">
-            <a:extLst>
-              <a:ext uri="{FF2B5EF4-FFF2-40B4-BE49-F238E27FC236}">
-                <a16:creationId xmlns:a16="http://schemas.microsoft.com/office/drawing/2014/main" id="{4BEDB451-9B6B-4BE3-9D41-B7ADEB78F008}"/>
-              </a:ext>
-            </a:extLst>
-          </p:cNvPr>
-          <p:cNvPicPr>
-            <a:picLocks noChangeAspect="1"/>
-          </p:cNvPicPr>
-          <p:nvPr/>
-        </p:nvPicPr>
-        <p:blipFill>
-          <a:blip r:embed="rId2"/>
-          <a:stretch>
-            <a:fillRect/>
-          </a:stretch>
-        </p:blipFill>
-        <p:spPr>
-          <a:xfrm>
-            <a:off x="279387" y="2133600"/>
-            <a:ext cx="11633225" cy="4287079"/>
-          </a:xfrm>
-          <a:prstGeom prst="rect">
-            <a:avLst/>
-          </a:prstGeom>
-        </p:spPr>
-      </p:pic>
-    </p:spTree>
-    <p:extLst>
-      <p:ext uri="{BB962C8B-B14F-4D97-AF65-F5344CB8AC3E}">
-        <p14:creationId xmlns:p14="http://schemas.microsoft.com/office/powerpoint/2010/main" val="4177495721"/>
-      </p:ext>
-    </p:extLst>
-  </p:cSld>
-  <p:clrMapOvr>
-    <a:masterClrMapping/>
-  </p:clrMapOvr>
-</p:sld>
-</file>
-
-<file path=ppt/slides/slide13.xml><?xml version="1.0" encoding="utf-8"?>
-<p:sld xmlns:a="http://schemas.openxmlformats.org/drawingml/2006/main" xmlns:r="http://schemas.openxmlformats.org/officeDocument/2006/relationships" xmlns:p="http://schemas.openxmlformats.org/presentationml/2006/main">
-  <p:cSld>
-    <p:spTree>
-      <p:nvGrpSpPr>
-        <p:cNvPr id="1" name=""/>
-        <p:cNvGrpSpPr/>
-        <p:nvPr/>
-      </p:nvGrpSpPr>
-      <p:grpSpPr>
-        <a:xfrm>
-          <a:off x="0" y="0"/>
-          <a:ext cx="0" cy="0"/>
-          <a:chOff x="0" y="0"/>
-          <a:chExt cx="0" cy="0"/>
-        </a:xfrm>
-      </p:grpSpPr>
-      <p:sp>
-        <p:nvSpPr>
-          <p:cNvPr id="2" name="Título 1">
-            <a:extLst>
-              <a:ext uri="{FF2B5EF4-FFF2-40B4-BE49-F238E27FC236}">
-                <a16:creationId xmlns:a16="http://schemas.microsoft.com/office/drawing/2014/main" id="{4EC4A22E-92CB-4FEE-AA4F-FD263275AA6E}"/>
-              </a:ext>
-            </a:extLst>
-          </p:cNvPr>
-          <p:cNvSpPr>
-            <a:spLocks noGrp="1"/>
-          </p:cNvSpPr>
-          <p:nvPr>
-            <p:ph type="title"/>
-          </p:nvPr>
-        </p:nvSpPr>
-        <p:spPr>
-          <a:xfrm>
-            <a:off x="677335" y="438951"/>
-            <a:ext cx="8596668" cy="755374"/>
-          </a:xfrm>
-        </p:spPr>
-        <p:txBody>
-          <a:bodyPr anchor="t">
-            <a:normAutofit fontScale="90000"/>
-          </a:bodyPr>
-          <a:lstStyle/>
-          <a:p>
-            <a:r>
-              <a:rPr lang="es-PY" b="1" dirty="0"/>
-              <a:t>Métricas que vamos a implementar</a:t>
-            </a:r>
-            <a:br>
-              <a:rPr lang="es-PY" b="1" dirty="0"/>
-            </a:br>
-            <a:endParaRPr lang="es-PY" dirty="0"/>
-          </a:p>
-        </p:txBody>
-      </p:sp>
-      <p:graphicFrame>
-        <p:nvGraphicFramePr>
-          <p:cNvPr id="4" name="Tabla 3">
-            <a:extLst>
-              <a:ext uri="{FF2B5EF4-FFF2-40B4-BE49-F238E27FC236}">
-                <a16:creationId xmlns:a16="http://schemas.microsoft.com/office/drawing/2014/main" id="{F2762A6B-E7CF-4117-A70E-1F83E8C7CE48}"/>
-              </a:ext>
-            </a:extLst>
-          </p:cNvPr>
-          <p:cNvGraphicFramePr>
-            <a:graphicFrameLocks noGrp="1"/>
-          </p:cNvGraphicFramePr>
-          <p:nvPr>
-            <p:extLst>
-              <p:ext uri="{D42A27DB-BD31-4B8C-83A1-F6EECF244321}">
-                <p14:modId xmlns:p14="http://schemas.microsoft.com/office/powerpoint/2010/main" val="472693125"/>
-              </p:ext>
-            </p:extLst>
-          </p:nvPr>
-        </p:nvGraphicFramePr>
-        <p:xfrm>
-          <a:off x="677335" y="2032642"/>
-          <a:ext cx="8596312" cy="3474720"/>
-        </p:xfrm>
-        <a:graphic>
-          <a:graphicData uri="http://schemas.openxmlformats.org/drawingml/2006/table">
-            <a:tbl>
-              <a:tblPr/>
-              <a:tblGrid>
-                <a:gridCol w="4298156">
-                  <a:extLst>
-                    <a:ext uri="{9D8B030D-6E8A-4147-A177-3AD203B41FA5}">
-                      <a16:colId xmlns:a16="http://schemas.microsoft.com/office/drawing/2014/main" val="741724799"/>
-                    </a:ext>
-                  </a:extLst>
-                </a:gridCol>
-                <a:gridCol w="4298156">
-                  <a:extLst>
-                    <a:ext uri="{9D8B030D-6E8A-4147-A177-3AD203B41FA5}">
-                      <a16:colId xmlns:a16="http://schemas.microsoft.com/office/drawing/2014/main" val="984782896"/>
-                    </a:ext>
-                  </a:extLst>
-                </a:gridCol>
-              </a:tblGrid>
-              <a:tr h="0">
-                <a:tc>
-                  <a:txBody>
-                    <a:bodyPr/>
-                    <a:lstStyle/>
-                    <a:p>
-                      <a:r>
-                        <a:rPr lang="es-PY" b="1" dirty="0">
-                          <a:latin typeface="Arial" panose="020B0604020202020204" pitchFamily="34" charset="0"/>
-                          <a:cs typeface="Arial" panose="020B0604020202020204" pitchFamily="34" charset="0"/>
-                        </a:rPr>
-                        <a:t>Métrica</a:t>
-                      </a:r>
-                    </a:p>
-                  </a:txBody>
-                  <a:tcPr anchor="ctr">
-                    <a:lnL>
-                      <a:noFill/>
-                    </a:lnL>
-                    <a:lnR>
-                      <a:noFill/>
-                    </a:lnR>
-                    <a:lnT>
-                      <a:noFill/>
-                    </a:lnT>
-                    <a:lnB>
-                      <a:noFill/>
-                    </a:lnB>
-                  </a:tcPr>
-                </a:tc>
-                <a:tc>
-                  <a:txBody>
-                    <a:bodyPr/>
-                    <a:lstStyle/>
-                    <a:p>
-                      <a:r>
-                        <a:rPr lang="es-PY" b="1" dirty="0">
-                          <a:latin typeface="Arial" panose="020B0604020202020204" pitchFamily="34" charset="0"/>
-                          <a:cs typeface="Arial" panose="020B0604020202020204" pitchFamily="34" charset="0"/>
-                        </a:rPr>
-                        <a:t>Descripción</a:t>
-                      </a:r>
-                    </a:p>
-                  </a:txBody>
-                  <a:tcPr anchor="ctr">
-                    <a:lnL>
-                      <a:noFill/>
-                    </a:lnL>
-                    <a:lnR>
-                      <a:noFill/>
-                    </a:lnR>
-                    <a:lnT>
-                      <a:noFill/>
-                    </a:lnT>
-                    <a:lnB>
-                      <a:noFill/>
-                    </a:lnB>
-                  </a:tcPr>
-                </a:tc>
-                <a:extLst>
-                  <a:ext uri="{0D108BD9-81ED-4DB2-BD59-A6C34878D82A}">
-                    <a16:rowId xmlns:a16="http://schemas.microsoft.com/office/drawing/2014/main" val="1716379885"/>
-                  </a:ext>
-                </a:extLst>
-              </a:tr>
-              <a:tr h="0">
-                <a:tc>
-                  <a:txBody>
-                    <a:bodyPr/>
-                    <a:lstStyle/>
-                    <a:p>
-                      <a:r>
-                        <a:rPr lang="es-PY" dirty="0">
-                          <a:latin typeface="Arial" panose="020B0604020202020204" pitchFamily="34" charset="0"/>
-                          <a:cs typeface="Arial" panose="020B0604020202020204" pitchFamily="34" charset="0"/>
-                        </a:rPr>
-                        <a:t>AMBE</a:t>
-                      </a:r>
-                    </a:p>
-                  </a:txBody>
-                  <a:tcPr anchor="ctr">
-                    <a:lnL>
-                      <a:noFill/>
-                    </a:lnL>
-                    <a:lnR>
-                      <a:noFill/>
-                    </a:lnR>
-                    <a:lnT>
-                      <a:noFill/>
-                    </a:lnT>
-                    <a:lnB>
-                      <a:noFill/>
-                    </a:lnB>
-                  </a:tcPr>
-                </a:tc>
-                <a:tc>
-                  <a:txBody>
-                    <a:bodyPr/>
-                    <a:lstStyle/>
-                    <a:p>
-                      <a:r>
-                        <a:rPr lang="es-MX" dirty="0">
-                          <a:latin typeface="Arial" panose="020B0604020202020204" pitchFamily="34" charset="0"/>
-                          <a:cs typeface="Arial" panose="020B0604020202020204" pitchFamily="34" charset="0"/>
-                        </a:rPr>
-                        <a:t>Diferencia de Brillo promedio (Cuanto menor, mejor preservación de brillo)</a:t>
-                      </a:r>
-                    </a:p>
-                  </a:txBody>
-                  <a:tcPr anchor="ctr">
-                    <a:lnL>
-                      <a:noFill/>
-                    </a:lnL>
-                    <a:lnR>
-                      <a:noFill/>
-                    </a:lnR>
-                    <a:lnT>
-                      <a:noFill/>
-                    </a:lnT>
-                    <a:lnB>
-                      <a:noFill/>
-                    </a:lnB>
-                  </a:tcPr>
-                </a:tc>
-                <a:extLst>
-                  <a:ext uri="{0D108BD9-81ED-4DB2-BD59-A6C34878D82A}">
-                    <a16:rowId xmlns:a16="http://schemas.microsoft.com/office/drawing/2014/main" val="2811859241"/>
-                  </a:ext>
-                </a:extLst>
-              </a:tr>
-              <a:tr h="0">
-                <a:tc>
-                  <a:txBody>
-                    <a:bodyPr/>
-                    <a:lstStyle/>
-                    <a:p>
-                      <a:r>
-                        <a:rPr lang="es-PY" dirty="0">
-                          <a:latin typeface="Arial" panose="020B0604020202020204" pitchFamily="34" charset="0"/>
-                          <a:cs typeface="Arial" panose="020B0604020202020204" pitchFamily="34" charset="0"/>
-                        </a:rPr>
-                        <a:t>PSNR</a:t>
-                      </a:r>
-                    </a:p>
-                  </a:txBody>
-                  <a:tcPr anchor="ctr">
-                    <a:lnL>
-                      <a:noFill/>
-                    </a:lnL>
-                    <a:lnR>
-                      <a:noFill/>
-                    </a:lnR>
-                    <a:lnT>
-                      <a:noFill/>
-                    </a:lnT>
-                    <a:lnB>
-                      <a:noFill/>
-                    </a:lnB>
-                  </a:tcPr>
-                </a:tc>
-                <a:tc>
-                  <a:txBody>
-                    <a:bodyPr/>
-                    <a:lstStyle/>
-                    <a:p>
-                      <a:r>
-                        <a:rPr lang="es-MX" dirty="0">
-                          <a:latin typeface="Arial" panose="020B0604020202020204" pitchFamily="34" charset="0"/>
-                          <a:cs typeface="Arial" panose="020B0604020202020204" pitchFamily="34" charset="0"/>
-                        </a:rPr>
-                        <a:t>Diferencia entre claros y oscuros (cuanto mayor, más realce)</a:t>
-                      </a:r>
-                    </a:p>
-                  </a:txBody>
-                  <a:tcPr anchor="ctr">
-                    <a:lnL>
-                      <a:noFill/>
-                    </a:lnL>
-                    <a:lnR>
-                      <a:noFill/>
-                    </a:lnR>
-                    <a:lnT>
-                      <a:noFill/>
-                    </a:lnT>
-                    <a:lnB>
-                      <a:noFill/>
-                    </a:lnB>
-                  </a:tcPr>
-                </a:tc>
-                <a:extLst>
-                  <a:ext uri="{0D108BD9-81ED-4DB2-BD59-A6C34878D82A}">
-                    <a16:rowId xmlns:a16="http://schemas.microsoft.com/office/drawing/2014/main" val="2759904367"/>
-                  </a:ext>
-                </a:extLst>
-              </a:tr>
-              <a:tr h="0">
-                <a:tc>
-                  <a:txBody>
-                    <a:bodyPr/>
-                    <a:lstStyle/>
-                    <a:p>
-                      <a:r>
-                        <a:rPr lang="es-PY" dirty="0">
-                          <a:latin typeface="Arial" panose="020B0604020202020204" pitchFamily="34" charset="0"/>
-                          <a:cs typeface="Arial" panose="020B0604020202020204" pitchFamily="34" charset="0"/>
-                        </a:rPr>
-                        <a:t>Contraste</a:t>
-                      </a:r>
-                    </a:p>
-                  </a:txBody>
-                  <a:tcPr anchor="ctr">
-                    <a:lnL>
-                      <a:noFill/>
-                    </a:lnL>
-                    <a:lnR>
-                      <a:noFill/>
-                    </a:lnR>
-                    <a:lnT>
-                      <a:noFill/>
-                    </a:lnT>
-                    <a:lnB>
-                      <a:noFill/>
-                    </a:lnB>
-                  </a:tcPr>
-                </a:tc>
-                <a:tc>
-                  <a:txBody>
-                    <a:bodyPr/>
-                    <a:lstStyle/>
-                    <a:p>
-                      <a:r>
-                        <a:rPr lang="es-MX" dirty="0">
-                          <a:latin typeface="Arial" panose="020B0604020202020204" pitchFamily="34" charset="0"/>
-                          <a:cs typeface="Arial" panose="020B0604020202020204" pitchFamily="34" charset="0"/>
-                        </a:rPr>
-                        <a:t>Diferencia entre claros y oscuros (cuanto mayor, más realce, medido como la desviación estándar de la imagen)</a:t>
-                      </a:r>
-                    </a:p>
-                  </a:txBody>
-                  <a:tcPr anchor="ctr">
-                    <a:lnL>
-                      <a:noFill/>
-                    </a:lnL>
-                    <a:lnR>
-                      <a:noFill/>
-                    </a:lnR>
-                    <a:lnT>
-                      <a:noFill/>
-                    </a:lnT>
-                    <a:lnB>
-                      <a:noFill/>
-                    </a:lnB>
-                  </a:tcPr>
-                </a:tc>
-                <a:extLst>
-                  <a:ext uri="{0D108BD9-81ED-4DB2-BD59-A6C34878D82A}">
-                    <a16:rowId xmlns:a16="http://schemas.microsoft.com/office/drawing/2014/main" val="4085615669"/>
-                  </a:ext>
-                </a:extLst>
-              </a:tr>
-              <a:tr h="0">
-                <a:tc>
-                  <a:txBody>
-                    <a:bodyPr/>
-                    <a:lstStyle/>
-                    <a:p>
-                      <a:r>
-                        <a:rPr lang="es-PY" dirty="0">
-                          <a:latin typeface="Arial" panose="020B0604020202020204" pitchFamily="34" charset="0"/>
-                          <a:cs typeface="Arial" panose="020B0604020202020204" pitchFamily="34" charset="0"/>
-                        </a:rPr>
-                        <a:t>Entropía</a:t>
-                      </a:r>
-                    </a:p>
-                  </a:txBody>
-                  <a:tcPr anchor="ctr">
-                    <a:lnL>
-                      <a:noFill/>
-                    </a:lnL>
-                    <a:lnR>
-                      <a:noFill/>
-                    </a:lnR>
-                    <a:lnT>
-                      <a:noFill/>
-                    </a:lnT>
-                    <a:lnB>
-                      <a:noFill/>
-                    </a:lnB>
-                  </a:tcPr>
-                </a:tc>
-                <a:tc>
-                  <a:txBody>
-                    <a:bodyPr/>
-                    <a:lstStyle/>
-                    <a:p>
-                      <a:r>
-                        <a:rPr lang="es-MX" dirty="0">
-                          <a:latin typeface="Arial" panose="020B0604020202020204" pitchFamily="34" charset="0"/>
-                          <a:cs typeface="Arial" panose="020B0604020202020204" pitchFamily="34" charset="0"/>
-                        </a:rPr>
-                        <a:t>Cantidad de información (cuanto mayor, más detalle potencial)</a:t>
-                      </a:r>
-                    </a:p>
-                  </a:txBody>
-                  <a:tcPr anchor="ctr">
-                    <a:lnL>
-                      <a:noFill/>
-                    </a:lnL>
-                    <a:lnR>
-                      <a:noFill/>
-                    </a:lnR>
-                    <a:lnT>
-                      <a:noFill/>
-                    </a:lnT>
-                    <a:lnB>
-                      <a:noFill/>
-                    </a:lnB>
-                  </a:tcPr>
-                </a:tc>
-                <a:extLst>
-                  <a:ext uri="{0D108BD9-81ED-4DB2-BD59-A6C34878D82A}">
-                    <a16:rowId xmlns:a16="http://schemas.microsoft.com/office/drawing/2014/main" val="1461339558"/>
-                  </a:ext>
-                </a:extLst>
-              </a:tr>
-            </a:tbl>
-          </a:graphicData>
-        </a:graphic>
-      </p:graphicFrame>
-    </p:spTree>
-    <p:extLst>
-      <p:ext uri="{BB962C8B-B14F-4D97-AF65-F5344CB8AC3E}">
-        <p14:creationId xmlns:p14="http://schemas.microsoft.com/office/powerpoint/2010/main" val="3386611064"/>
-      </p:ext>
-    </p:extLst>
-  </p:cSld>
-  <p:clrMapOvr>
-    <a:masterClrMapping/>
-  </p:clrMapOvr>
-</p:sld>
-</file>
-
-<file path=ppt/slides/slide14.xml><?xml version="1.0" encoding="utf-8"?>
 <p:sld xmlns:a="http://schemas.openxmlformats.org/drawingml/2006/main" xmlns:r="http://schemas.openxmlformats.org/officeDocument/2006/relationships" xmlns:p="http://schemas.openxmlformats.org/presentationml/2006/main">
   <p:cSld>
     <p:spTree>
@@ -7743,14 +7639,28 @@
                 <a:latin typeface="Arial" panose="020B0604020202020204" pitchFamily="34" charset="0"/>
                 <a:cs typeface="Arial" panose="020B0604020202020204" pitchFamily="34" charset="0"/>
               </a:rPr>
-              <a:t> Local </a:t>
+              <a:t> </a:t>
             </a:r>
             <a:r>
               <a:rPr lang="es-MX" b="1" dirty="0" err="1">
                 <a:latin typeface="Arial" panose="020B0604020202020204" pitchFamily="34" charset="0"/>
                 <a:cs typeface="Arial" panose="020B0604020202020204" pitchFamily="34" charset="0"/>
               </a:rPr>
-              <a:t>Constraints</a:t>
+              <a:t>Limited</a:t>
+            </a:r>
+            <a:r>
+              <a:rPr lang="es-MX" b="1" dirty="0">
+                <a:latin typeface="Arial" panose="020B0604020202020204" pitchFamily="34" charset="0"/>
+                <a:cs typeface="Arial" panose="020B0604020202020204" pitchFamily="34" charset="0"/>
+              </a:rPr>
+              <a:t> </a:t>
+            </a:r>
+            <a:r>
+              <a:rPr lang="es-MX" b="1" dirty="0" err="1">
+                <a:latin typeface="Arial" panose="020B0604020202020204" pitchFamily="34" charset="0"/>
+                <a:cs typeface="Arial" panose="020B0604020202020204" pitchFamily="34" charset="0"/>
+              </a:rPr>
+              <a:t>Contrast</a:t>
             </a:r>
             <a:r>
               <a:rPr lang="es-MX" b="1" dirty="0">
@@ -7869,7 +7779,7 @@
           <p:cNvPr id="2" name="Título 1">
             <a:extLst>
               <a:ext uri="{FF2B5EF4-FFF2-40B4-BE49-F238E27FC236}">
-                <a16:creationId xmlns:a16="http://schemas.microsoft.com/office/drawing/2014/main" id="{3B6A1E40-91F1-4751-B191-8B6E41BEE22E}"/>
+                <a16:creationId xmlns:a16="http://schemas.microsoft.com/office/drawing/2014/main" id="{4EC4A22E-92CB-4FEE-AA4F-FD263275AA6E}"/>
               </a:ext>
             </a:extLst>
           </p:cNvPr>
@@ -7882,164 +7792,404 @@
         </p:nvSpPr>
         <p:spPr>
           <a:xfrm>
-            <a:off x="463826" y="609600"/>
-            <a:ext cx="8810177" cy="728870"/>
+            <a:off x="677335" y="438951"/>
+            <a:ext cx="8596668" cy="755374"/>
           </a:xfrm>
         </p:spPr>
         <p:txBody>
-          <a:bodyPr>
+          <a:bodyPr anchor="t">
             <a:normAutofit fontScale="90000"/>
           </a:bodyPr>
           <a:lstStyle/>
           <a:p>
             <a:r>
-              <a:rPr lang="es-PY" dirty="0"/>
-              <a:t>Descripción de técnicas </a:t>
-            </a:r>
-          </a:p>
-        </p:txBody>
-      </p:sp>
-      <p:sp>
-        <p:nvSpPr>
-          <p:cNvPr id="3" name="Marcador de texto 2">
+              <a:rPr lang="es-PY" b="1" dirty="0"/>
+              <a:t>Métricas que vamos a implementar</a:t>
+            </a:r>
+            <a:br>
+              <a:rPr lang="es-PY" b="1" dirty="0"/>
+            </a:br>
+            <a:endParaRPr lang="es-PY" dirty="0"/>
+          </a:p>
+        </p:txBody>
+      </p:sp>
+      <p:graphicFrame>
+        <p:nvGraphicFramePr>
+          <p:cNvPr id="4" name="Tabla 3">
             <a:extLst>
               <a:ext uri="{FF2B5EF4-FFF2-40B4-BE49-F238E27FC236}">
-                <a16:creationId xmlns:a16="http://schemas.microsoft.com/office/drawing/2014/main" id="{D4F1A744-7C44-4337-B9B0-B045D3B2B5A3}"/>
+                <a16:creationId xmlns:a16="http://schemas.microsoft.com/office/drawing/2014/main" id="{F2762A6B-E7CF-4117-A70E-1F83E8C7CE48}"/>
               </a:ext>
             </a:extLst>
           </p:cNvPr>
-          <p:cNvSpPr>
-            <a:spLocks noGrp="1"/>
-          </p:cNvSpPr>
-          <p:nvPr>
-            <p:ph type="body" idx="1"/>
-          </p:nvPr>
-        </p:nvSpPr>
-        <p:spPr>
-          <a:xfrm>
-            <a:off x="463826" y="1484243"/>
-            <a:ext cx="8810177" cy="5261114"/>
-          </a:xfrm>
-        </p:spPr>
-        <p:txBody>
-          <a:bodyPr anchor="t"/>
-          <a:lstStyle/>
-          <a:p>
-            <a:r>
-              <a:rPr lang="es-MX" b="1" dirty="0">
-                <a:latin typeface="Arial" panose="020B0604020202020204" pitchFamily="34" charset="0"/>
-                <a:cs typeface="Arial" panose="020B0604020202020204" pitchFamily="34" charset="0"/>
-              </a:rPr>
-              <a:t>HE - Ecualización de histograma</a:t>
-            </a:r>
-          </a:p>
-          <a:p>
-            <a:r>
-              <a:rPr lang="es-MX" dirty="0">
-                <a:latin typeface="Arial" panose="020B0604020202020204" pitchFamily="34" charset="0"/>
-                <a:cs typeface="Arial" panose="020B0604020202020204" pitchFamily="34" charset="0"/>
-              </a:rPr>
-              <a:t>Ecualiza globalmente la imagen redistribuyendo los niveles de intensidad para cubrir todo el rango dinámico. Aumenta el contraste pero puede introducir ruido o pérdida de naturalidad visual.</a:t>
-            </a:r>
-          </a:p>
-          <a:p>
-            <a:r>
-              <a:rPr lang="es-MX" b="1" dirty="0">
-                <a:latin typeface="Arial" panose="020B0604020202020204" pitchFamily="34" charset="0"/>
-                <a:cs typeface="Arial" panose="020B0604020202020204" pitchFamily="34" charset="0"/>
-              </a:rPr>
-              <a:t>CLAHE - Ecualización adaptativa limitada por contraste</a:t>
-            </a:r>
-          </a:p>
-          <a:p>
-            <a:r>
-              <a:rPr lang="es-MX" dirty="0">
-                <a:latin typeface="Arial" panose="020B0604020202020204" pitchFamily="34" charset="0"/>
-                <a:cs typeface="Arial" panose="020B0604020202020204" pitchFamily="34" charset="0"/>
-              </a:rPr>
-              <a:t>Divide la imagen en bloques locales y ecualiza cada uno, limitando el contraste para evitar amplificación de ruido. Es ampliamente utilizada en entornos médicos por su balance visual.</a:t>
-            </a:r>
-          </a:p>
-          <a:p>
-            <a:r>
-              <a:rPr lang="es-MX" b="1" dirty="0">
-                <a:latin typeface="Arial" panose="020B0604020202020204" pitchFamily="34" charset="0"/>
-                <a:cs typeface="Arial" panose="020B0604020202020204" pitchFamily="34" charset="0"/>
-              </a:rPr>
-              <a:t>QHELC - </a:t>
-            </a:r>
-            <a:r>
-              <a:rPr lang="es-MX" b="1" dirty="0" err="1">
-                <a:latin typeface="Arial" panose="020B0604020202020204" pitchFamily="34" charset="0"/>
-                <a:cs typeface="Arial" panose="020B0604020202020204" pitchFamily="34" charset="0"/>
-              </a:rPr>
-              <a:t>Quadri-Histogram</a:t>
-            </a:r>
-            <a:r>
-              <a:rPr lang="es-MX" b="1" dirty="0">
-                <a:latin typeface="Arial" panose="020B0604020202020204" pitchFamily="34" charset="0"/>
-                <a:cs typeface="Arial" panose="020B0604020202020204" pitchFamily="34" charset="0"/>
-              </a:rPr>
-              <a:t> </a:t>
-            </a:r>
-            <a:r>
-              <a:rPr lang="es-MX" b="1" dirty="0" err="1">
-                <a:latin typeface="Arial" panose="020B0604020202020204" pitchFamily="34" charset="0"/>
-                <a:cs typeface="Arial" panose="020B0604020202020204" pitchFamily="34" charset="0"/>
-              </a:rPr>
-              <a:t>Equalization</a:t>
-            </a:r>
-            <a:r>
-              <a:rPr lang="es-MX" b="1" dirty="0">
-                <a:latin typeface="Arial" panose="020B0604020202020204" pitchFamily="34" charset="0"/>
-                <a:cs typeface="Arial" panose="020B0604020202020204" pitchFamily="34" charset="0"/>
-              </a:rPr>
-              <a:t> </a:t>
-            </a:r>
-            <a:r>
-              <a:rPr lang="es-MX" b="1" dirty="0" err="1">
-                <a:latin typeface="Arial" panose="020B0604020202020204" pitchFamily="34" charset="0"/>
-                <a:cs typeface="Arial" panose="020B0604020202020204" pitchFamily="34" charset="0"/>
-              </a:rPr>
-              <a:t>with</a:t>
-            </a:r>
-            <a:r>
-              <a:rPr lang="es-MX" b="1" dirty="0">
-                <a:latin typeface="Arial" panose="020B0604020202020204" pitchFamily="34" charset="0"/>
-                <a:cs typeface="Arial" panose="020B0604020202020204" pitchFamily="34" charset="0"/>
-              </a:rPr>
-              <a:t> Local </a:t>
-            </a:r>
-            <a:r>
-              <a:rPr lang="es-MX" b="1" dirty="0" err="1">
-                <a:latin typeface="Arial" panose="020B0604020202020204" pitchFamily="34" charset="0"/>
-                <a:cs typeface="Arial" panose="020B0604020202020204" pitchFamily="34" charset="0"/>
-              </a:rPr>
-              <a:t>Constraints</a:t>
-            </a:r>
-            <a:endParaRPr lang="es-MX" b="1" dirty="0">
-              <a:latin typeface="Arial" panose="020B0604020202020204" pitchFamily="34" charset="0"/>
-              <a:cs typeface="Arial" panose="020B0604020202020204" pitchFamily="34" charset="0"/>
-            </a:endParaRPr>
-          </a:p>
-          <a:p>
-            <a:r>
-              <a:rPr lang="es-MX" dirty="0">
-                <a:latin typeface="Arial" panose="020B0604020202020204" pitchFamily="34" charset="0"/>
-                <a:cs typeface="Arial" panose="020B0604020202020204" pitchFamily="34" charset="0"/>
-              </a:rPr>
-              <a:t>Divide el histograma en cuatro partes, aplica recortes controlados y redistribuye el exceso. Conserva el brillo medio y reduce distorsiones, ideal para preservar detalles en imágenes sensibles.</a:t>
-            </a:r>
-          </a:p>
-          <a:p>
-            <a:endParaRPr lang="es-PY" dirty="0"/>
-          </a:p>
-        </p:txBody>
-      </p:sp>
+          <p:cNvGraphicFramePr>
+            <a:graphicFrameLocks noGrp="1"/>
+          </p:cNvGraphicFramePr>
+          <p:nvPr>
+            <p:extLst>
+              <p:ext uri="{D42A27DB-BD31-4B8C-83A1-F6EECF244321}">
+                <p14:modId xmlns:p14="http://schemas.microsoft.com/office/powerpoint/2010/main" val="472693125"/>
+              </p:ext>
+            </p:extLst>
+          </p:nvPr>
+        </p:nvGraphicFramePr>
+        <p:xfrm>
+          <a:off x="677335" y="2032642"/>
+          <a:ext cx="8596312" cy="3474720"/>
+        </p:xfrm>
+        <a:graphic>
+          <a:graphicData uri="http://schemas.openxmlformats.org/drawingml/2006/table">
+            <a:tbl>
+              <a:tblPr/>
+              <a:tblGrid>
+                <a:gridCol w="4298156">
+                  <a:extLst>
+                    <a:ext uri="{9D8B030D-6E8A-4147-A177-3AD203B41FA5}">
+                      <a16:colId xmlns:a16="http://schemas.microsoft.com/office/drawing/2014/main" val="741724799"/>
+                    </a:ext>
+                  </a:extLst>
+                </a:gridCol>
+                <a:gridCol w="4298156">
+                  <a:extLst>
+                    <a:ext uri="{9D8B030D-6E8A-4147-A177-3AD203B41FA5}">
+                      <a16:colId xmlns:a16="http://schemas.microsoft.com/office/drawing/2014/main" val="984782896"/>
+                    </a:ext>
+                  </a:extLst>
+                </a:gridCol>
+              </a:tblGrid>
+              <a:tr h="0">
+                <a:tc>
+                  <a:txBody>
+                    <a:bodyPr/>
+                    <a:lstStyle/>
+                    <a:p>
+                      <a:r>
+                        <a:rPr lang="es-PY" b="1" dirty="0">
+                          <a:latin typeface="Arial" panose="020B0604020202020204" pitchFamily="34" charset="0"/>
+                          <a:cs typeface="Arial" panose="020B0604020202020204" pitchFamily="34" charset="0"/>
+                        </a:rPr>
+                        <a:t>Métrica</a:t>
+                      </a:r>
+                    </a:p>
+                  </a:txBody>
+                  <a:tcPr anchor="ctr">
+                    <a:lnL>
+                      <a:noFill/>
+                    </a:lnL>
+                    <a:lnR>
+                      <a:noFill/>
+                    </a:lnR>
+                    <a:lnT>
+                      <a:noFill/>
+                    </a:lnT>
+                    <a:lnB>
+                      <a:noFill/>
+                    </a:lnB>
+                  </a:tcPr>
+                </a:tc>
+                <a:tc>
+                  <a:txBody>
+                    <a:bodyPr/>
+                    <a:lstStyle/>
+                    <a:p>
+                      <a:r>
+                        <a:rPr lang="es-PY" b="1" dirty="0">
+                          <a:latin typeface="Arial" panose="020B0604020202020204" pitchFamily="34" charset="0"/>
+                          <a:cs typeface="Arial" panose="020B0604020202020204" pitchFamily="34" charset="0"/>
+                        </a:rPr>
+                        <a:t>Descripción</a:t>
+                      </a:r>
+                    </a:p>
+                  </a:txBody>
+                  <a:tcPr anchor="ctr">
+                    <a:lnL>
+                      <a:noFill/>
+                    </a:lnL>
+                    <a:lnR>
+                      <a:noFill/>
+                    </a:lnR>
+                    <a:lnT>
+                      <a:noFill/>
+                    </a:lnT>
+                    <a:lnB>
+                      <a:noFill/>
+                    </a:lnB>
+                  </a:tcPr>
+                </a:tc>
+                <a:extLst>
+                  <a:ext uri="{0D108BD9-81ED-4DB2-BD59-A6C34878D82A}">
+                    <a16:rowId xmlns:a16="http://schemas.microsoft.com/office/drawing/2014/main" val="1716379885"/>
+                  </a:ext>
+                </a:extLst>
+              </a:tr>
+              <a:tr h="0">
+                <a:tc>
+                  <a:txBody>
+                    <a:bodyPr/>
+                    <a:lstStyle/>
+                    <a:p>
+                      <a:r>
+                        <a:rPr lang="es-PY" dirty="0">
+                          <a:latin typeface="Arial" panose="020B0604020202020204" pitchFamily="34" charset="0"/>
+                          <a:cs typeface="Arial" panose="020B0604020202020204" pitchFamily="34" charset="0"/>
+                        </a:rPr>
+                        <a:t>AMBE</a:t>
+                      </a:r>
+                    </a:p>
+                  </a:txBody>
+                  <a:tcPr anchor="ctr">
+                    <a:lnL>
+                      <a:noFill/>
+                    </a:lnL>
+                    <a:lnR>
+                      <a:noFill/>
+                    </a:lnR>
+                    <a:lnT>
+                      <a:noFill/>
+                    </a:lnT>
+                    <a:lnB>
+                      <a:noFill/>
+                    </a:lnB>
+                  </a:tcPr>
+                </a:tc>
+                <a:tc>
+                  <a:txBody>
+                    <a:bodyPr/>
+                    <a:lstStyle/>
+                    <a:p>
+                      <a:r>
+                        <a:rPr lang="es-MX" dirty="0">
+                          <a:latin typeface="Arial" panose="020B0604020202020204" pitchFamily="34" charset="0"/>
+                          <a:cs typeface="Arial" panose="020B0604020202020204" pitchFamily="34" charset="0"/>
+                        </a:rPr>
+                        <a:t>Diferencia de Brillo promedio (Cuanto menor, mejor preservación de brillo)</a:t>
+                      </a:r>
+                    </a:p>
+                  </a:txBody>
+                  <a:tcPr anchor="ctr">
+                    <a:lnL>
+                      <a:noFill/>
+                    </a:lnL>
+                    <a:lnR>
+                      <a:noFill/>
+                    </a:lnR>
+                    <a:lnT>
+                      <a:noFill/>
+                    </a:lnT>
+                    <a:lnB>
+                      <a:noFill/>
+                    </a:lnB>
+                  </a:tcPr>
+                </a:tc>
+                <a:extLst>
+                  <a:ext uri="{0D108BD9-81ED-4DB2-BD59-A6C34878D82A}">
+                    <a16:rowId xmlns:a16="http://schemas.microsoft.com/office/drawing/2014/main" val="2811859241"/>
+                  </a:ext>
+                </a:extLst>
+              </a:tr>
+              <a:tr h="0">
+                <a:tc>
+                  <a:txBody>
+                    <a:bodyPr/>
+                    <a:lstStyle/>
+                    <a:p>
+                      <a:r>
+                        <a:rPr lang="es-PY" dirty="0">
+                          <a:latin typeface="Arial" panose="020B0604020202020204" pitchFamily="34" charset="0"/>
+                          <a:cs typeface="Arial" panose="020B0604020202020204" pitchFamily="34" charset="0"/>
+                        </a:rPr>
+                        <a:t>PSNR</a:t>
+                      </a:r>
+                    </a:p>
+                  </a:txBody>
+                  <a:tcPr anchor="ctr">
+                    <a:lnL>
+                      <a:noFill/>
+                    </a:lnL>
+                    <a:lnR>
+                      <a:noFill/>
+                    </a:lnR>
+                    <a:lnT>
+                      <a:noFill/>
+                    </a:lnT>
+                    <a:lnB>
+                      <a:noFill/>
+                    </a:lnB>
+                  </a:tcPr>
+                </a:tc>
+                <a:tc>
+                  <a:txBody>
+                    <a:bodyPr/>
+                    <a:lstStyle/>
+                    <a:p>
+                      <a:r>
+                        <a:rPr lang="es-MX" dirty="0">
+                          <a:latin typeface="Arial" panose="020B0604020202020204" pitchFamily="34" charset="0"/>
+                          <a:cs typeface="Arial" panose="020B0604020202020204" pitchFamily="34" charset="0"/>
+                        </a:rPr>
+                        <a:t>Diferencia entre claros y oscuros (cuanto mayor, más realce)</a:t>
+                      </a:r>
+                    </a:p>
+                  </a:txBody>
+                  <a:tcPr anchor="ctr">
+                    <a:lnL>
+                      <a:noFill/>
+                    </a:lnL>
+                    <a:lnR>
+                      <a:noFill/>
+                    </a:lnR>
+                    <a:lnT>
+                      <a:noFill/>
+                    </a:lnT>
+                    <a:lnB>
+                      <a:noFill/>
+                    </a:lnB>
+                  </a:tcPr>
+                </a:tc>
+                <a:extLst>
+                  <a:ext uri="{0D108BD9-81ED-4DB2-BD59-A6C34878D82A}">
+                    <a16:rowId xmlns:a16="http://schemas.microsoft.com/office/drawing/2014/main" val="2759904367"/>
+                  </a:ext>
+                </a:extLst>
+              </a:tr>
+              <a:tr h="0">
+                <a:tc>
+                  <a:txBody>
+                    <a:bodyPr/>
+                    <a:lstStyle/>
+                    <a:p>
+                      <a:r>
+                        <a:rPr lang="es-PY" dirty="0">
+                          <a:latin typeface="Arial" panose="020B0604020202020204" pitchFamily="34" charset="0"/>
+                          <a:cs typeface="Arial" panose="020B0604020202020204" pitchFamily="34" charset="0"/>
+                        </a:rPr>
+                        <a:t>Contraste</a:t>
+                      </a:r>
+                    </a:p>
+                  </a:txBody>
+                  <a:tcPr anchor="ctr">
+                    <a:lnL>
+                      <a:noFill/>
+                    </a:lnL>
+                    <a:lnR>
+                      <a:noFill/>
+                    </a:lnR>
+                    <a:lnT>
+                      <a:noFill/>
+                    </a:lnT>
+                    <a:lnB>
+                      <a:noFill/>
+                    </a:lnB>
+                  </a:tcPr>
+                </a:tc>
+                <a:tc>
+                  <a:txBody>
+                    <a:bodyPr/>
+                    <a:lstStyle/>
+                    <a:p>
+                      <a:r>
+                        <a:rPr lang="es-MX" dirty="0">
+                          <a:latin typeface="Arial" panose="020B0604020202020204" pitchFamily="34" charset="0"/>
+                          <a:cs typeface="Arial" panose="020B0604020202020204" pitchFamily="34" charset="0"/>
+                        </a:rPr>
+                        <a:t>Diferencia entre claros y oscuros (cuanto mayor, más realce, medido como la desviación estándar de la imagen)</a:t>
+                      </a:r>
+                    </a:p>
+                  </a:txBody>
+                  <a:tcPr anchor="ctr">
+                    <a:lnL>
+                      <a:noFill/>
+                    </a:lnL>
+                    <a:lnR>
+                      <a:noFill/>
+                    </a:lnR>
+                    <a:lnT>
+                      <a:noFill/>
+                    </a:lnT>
+                    <a:lnB>
+                      <a:noFill/>
+                    </a:lnB>
+                  </a:tcPr>
+                </a:tc>
+                <a:extLst>
+                  <a:ext uri="{0D108BD9-81ED-4DB2-BD59-A6C34878D82A}">
+                    <a16:rowId xmlns:a16="http://schemas.microsoft.com/office/drawing/2014/main" val="4085615669"/>
+                  </a:ext>
+                </a:extLst>
+              </a:tr>
+              <a:tr h="0">
+                <a:tc>
+                  <a:txBody>
+                    <a:bodyPr/>
+                    <a:lstStyle/>
+                    <a:p>
+                      <a:r>
+                        <a:rPr lang="es-PY" dirty="0">
+                          <a:latin typeface="Arial" panose="020B0604020202020204" pitchFamily="34" charset="0"/>
+                          <a:cs typeface="Arial" panose="020B0604020202020204" pitchFamily="34" charset="0"/>
+                        </a:rPr>
+                        <a:t>Entropía</a:t>
+                      </a:r>
+                    </a:p>
+                  </a:txBody>
+                  <a:tcPr anchor="ctr">
+                    <a:lnL>
+                      <a:noFill/>
+                    </a:lnL>
+                    <a:lnR>
+                      <a:noFill/>
+                    </a:lnR>
+                    <a:lnT>
+                      <a:noFill/>
+                    </a:lnT>
+                    <a:lnB>
+                      <a:noFill/>
+                    </a:lnB>
+                  </a:tcPr>
+                </a:tc>
+                <a:tc>
+                  <a:txBody>
+                    <a:bodyPr/>
+                    <a:lstStyle/>
+                    <a:p>
+                      <a:r>
+                        <a:rPr lang="es-MX" dirty="0">
+                          <a:latin typeface="Arial" panose="020B0604020202020204" pitchFamily="34" charset="0"/>
+                          <a:cs typeface="Arial" panose="020B0604020202020204" pitchFamily="34" charset="0"/>
+                        </a:rPr>
+                        <a:t>Cantidad de información (cuanto mayor, más detalle potencial)</a:t>
+                      </a:r>
+                    </a:p>
+                  </a:txBody>
+                  <a:tcPr anchor="ctr">
+                    <a:lnL>
+                      <a:noFill/>
+                    </a:lnL>
+                    <a:lnR>
+                      <a:noFill/>
+                    </a:lnR>
+                    <a:lnT>
+                      <a:noFill/>
+                    </a:lnT>
+                    <a:lnB>
+                      <a:noFill/>
+                    </a:lnB>
+                  </a:tcPr>
+                </a:tc>
+                <a:extLst>
+                  <a:ext uri="{0D108BD9-81ED-4DB2-BD59-A6C34878D82A}">
+                    <a16:rowId xmlns:a16="http://schemas.microsoft.com/office/drawing/2014/main" val="1461339558"/>
+                  </a:ext>
+                </a:extLst>
+              </a:tr>
+            </a:tbl>
+          </a:graphicData>
+        </a:graphic>
+      </p:graphicFrame>
     </p:spTree>
     <p:extLst>
       <p:ext uri="{BB962C8B-B14F-4D97-AF65-F5344CB8AC3E}">
-        <p14:creationId xmlns:p14="http://schemas.microsoft.com/office/powerpoint/2010/main" val="4011346636"/>
+        <p14:creationId xmlns:p14="http://schemas.microsoft.com/office/powerpoint/2010/main" val="3386611064"/>
       </p:ext>
     </p:extLst>
   </p:cSld>
@@ -8085,7 +8235,7 @@
         <p:spPr>
           <a:xfrm>
             <a:off x="463826" y="609600"/>
-            <a:ext cx="8810177" cy="768626"/>
+            <a:ext cx="8810177" cy="728870"/>
           </a:xfrm>
         </p:spPr>
         <p:txBody>
@@ -8095,16 +8245,8 @@
           <a:lstStyle/>
           <a:p>
             <a:r>
-              <a:rPr lang="es-PY" b="1" dirty="0"/>
-              <a:t>Fundamento </a:t>
-            </a:r>
-            <a:r>
-              <a:rPr lang="es-PY" b="1" dirty="0" err="1"/>
-              <a:t>matematico</a:t>
-            </a:r>
-            <a:r>
-              <a:rPr lang="es-PY" b="1" dirty="0"/>
-              <a:t> del Método QHELC</a:t>
+              <a:rPr lang="es-PY" dirty="0"/>
+              <a:t>Descripción de técnicas </a:t>
             </a:r>
           </a:p>
         </p:txBody>
@@ -8127,148 +8269,143 @@
         </p:nvSpPr>
         <p:spPr>
           <a:xfrm>
-            <a:off x="463826" y="1855304"/>
+            <a:off x="463826" y="1484243"/>
             <a:ext cx="8810177" cy="5261114"/>
           </a:xfrm>
         </p:spPr>
         <p:txBody>
           <a:bodyPr anchor="t"/>
           <a:lstStyle/>
+          <a:p>
+            <a:r>
+              <a:rPr lang="es-MX" b="1" dirty="0">
+                <a:latin typeface="Arial" panose="020B0604020202020204" pitchFamily="34" charset="0"/>
+                <a:cs typeface="Arial" panose="020B0604020202020204" pitchFamily="34" charset="0"/>
+              </a:rPr>
+              <a:t>HE - Ecualización de histograma</a:t>
+            </a:r>
+          </a:p>
           <a:p>
             <a:r>
               <a:rPr lang="es-MX" dirty="0">
                 <a:latin typeface="Arial" panose="020B0604020202020204" pitchFamily="34" charset="0"/>
                 <a:cs typeface="Arial" panose="020B0604020202020204" pitchFamily="34" charset="0"/>
               </a:rPr>
-              <a:t>El </a:t>
-            </a:r>
-            <a:r>
-              <a:rPr lang="es-MX" dirty="0" err="1">
+              <a:t>Ecualiza globalmente la imagen redistribuyendo los niveles de intensidad para cubrir todo el rango dinámico. Aumenta el contraste pero puede introducir ruido o pérdida de naturalidad visual.</a:t>
+            </a:r>
+          </a:p>
+          <a:p>
+            <a:r>
+              <a:rPr lang="es-MX" b="1" dirty="0">
                 <a:latin typeface="Arial" panose="020B0604020202020204" pitchFamily="34" charset="0"/>
                 <a:cs typeface="Arial" panose="020B0604020202020204" pitchFamily="34" charset="0"/>
               </a:rPr>
-              <a:t>metodo</a:t>
-            </a:r>
+              <a:t>CLAHE - Ecualización adaptativa limitada por contraste</a:t>
+            </a:r>
+          </a:p>
+          <a:p>
             <a:r>
               <a:rPr lang="es-MX" dirty="0">
                 <a:latin typeface="Arial" panose="020B0604020202020204" pitchFamily="34" charset="0"/>
                 <a:cs typeface="Arial" panose="020B0604020202020204" pitchFamily="34" charset="0"/>
               </a:rPr>
-              <a:t> </a:t>
-            </a:r>
-            <a:r>
-              <a:rPr lang="es-MX" dirty="0" err="1">
+              <a:t>Divide la imagen en bloques locales y ecualiza cada uno, limitando el contraste para evitar amplificación de ruido. Es ampliamente utilizada en entornos médicos por su balance visual.</a:t>
+            </a:r>
+          </a:p>
+          <a:p>
+            <a:r>
+              <a:rPr lang="es-MX" b="1" dirty="0">
+                <a:latin typeface="Arial" panose="020B0604020202020204" pitchFamily="34" charset="0"/>
+                <a:cs typeface="Arial" panose="020B0604020202020204" pitchFamily="34" charset="0"/>
+              </a:rPr>
+              <a:t>QHELC - </a:t>
+            </a:r>
+            <a:r>
+              <a:rPr lang="es-MX" b="1" dirty="0" err="1">
                 <a:latin typeface="Arial" panose="020B0604020202020204" pitchFamily="34" charset="0"/>
                 <a:cs typeface="Arial" panose="020B0604020202020204" pitchFamily="34" charset="0"/>
               </a:rPr>
               <a:t>Quadri-Histogram</a:t>
             </a:r>
             <a:r>
+              <a:rPr lang="es-MX" b="1" dirty="0">
+                <a:latin typeface="Arial" panose="020B0604020202020204" pitchFamily="34" charset="0"/>
+                <a:cs typeface="Arial" panose="020B0604020202020204" pitchFamily="34" charset="0"/>
+              </a:rPr>
+              <a:t> </a:t>
+            </a:r>
+            <a:r>
+              <a:rPr lang="es-MX" b="1" dirty="0" err="1">
+                <a:latin typeface="Arial" panose="020B0604020202020204" pitchFamily="34" charset="0"/>
+                <a:cs typeface="Arial" panose="020B0604020202020204" pitchFamily="34" charset="0"/>
+              </a:rPr>
+              <a:t>Equalization</a:t>
+            </a:r>
+            <a:r>
+              <a:rPr lang="es-MX" b="1" dirty="0">
+                <a:latin typeface="Arial" panose="020B0604020202020204" pitchFamily="34" charset="0"/>
+                <a:cs typeface="Arial" panose="020B0604020202020204" pitchFamily="34" charset="0"/>
+              </a:rPr>
+              <a:t> </a:t>
+            </a:r>
+            <a:r>
+              <a:rPr lang="es-MX" b="1" dirty="0" err="1">
+                <a:latin typeface="Arial" panose="020B0604020202020204" pitchFamily="34" charset="0"/>
+                <a:cs typeface="Arial" panose="020B0604020202020204" pitchFamily="34" charset="0"/>
+              </a:rPr>
+              <a:t>with</a:t>
+            </a:r>
+            <a:r>
+              <a:rPr lang="es-MX" b="1" dirty="0">
+                <a:latin typeface="Arial" panose="020B0604020202020204" pitchFamily="34" charset="0"/>
+                <a:cs typeface="Arial" panose="020B0604020202020204" pitchFamily="34" charset="0"/>
+              </a:rPr>
+              <a:t> </a:t>
+            </a:r>
+            <a:r>
+              <a:rPr lang="es-MX" b="1" dirty="0" err="1">
+                <a:latin typeface="Arial" panose="020B0604020202020204" pitchFamily="34" charset="0"/>
+                <a:cs typeface="Arial" panose="020B0604020202020204" pitchFamily="34" charset="0"/>
+              </a:rPr>
+              <a:t>Limited</a:t>
+            </a:r>
+            <a:r>
+              <a:rPr lang="es-MX" b="1" dirty="0">
+                <a:latin typeface="Arial" panose="020B0604020202020204" pitchFamily="34" charset="0"/>
+                <a:cs typeface="Arial" panose="020B0604020202020204" pitchFamily="34" charset="0"/>
+              </a:rPr>
+              <a:t> </a:t>
+            </a:r>
+            <a:r>
+              <a:rPr lang="es-MX" b="1" dirty="0" err="1">
+                <a:latin typeface="Arial" panose="020B0604020202020204" pitchFamily="34" charset="0"/>
+                <a:cs typeface="Arial" panose="020B0604020202020204" pitchFamily="34" charset="0"/>
+              </a:rPr>
+              <a:t>Contrast</a:t>
+            </a:r>
+            <a:endParaRPr lang="es-MX" b="1" dirty="0">
+              <a:latin typeface="Arial" panose="020B0604020202020204" pitchFamily="34" charset="0"/>
+              <a:cs typeface="Arial" panose="020B0604020202020204" pitchFamily="34" charset="0"/>
+            </a:endParaRPr>
+          </a:p>
+          <a:p>
+            <a:r>
               <a:rPr lang="es-MX" dirty="0">
                 <a:latin typeface="Arial" panose="020B0604020202020204" pitchFamily="34" charset="0"/>
                 <a:cs typeface="Arial" panose="020B0604020202020204" pitchFamily="34" charset="0"/>
               </a:rPr>
-              <a:t> </a:t>
-            </a:r>
-            <a:r>
-              <a:rPr lang="es-MX" dirty="0" err="1">
-                <a:latin typeface="Arial" panose="020B0604020202020204" pitchFamily="34" charset="0"/>
-                <a:cs typeface="Arial" panose="020B0604020202020204" pitchFamily="34" charset="0"/>
-              </a:rPr>
-              <a:t>Equalization</a:t>
-            </a:r>
-            <a:r>
-              <a:rPr lang="es-MX" dirty="0">
-                <a:latin typeface="Arial" panose="020B0604020202020204" pitchFamily="34" charset="0"/>
-                <a:cs typeface="Arial" panose="020B0604020202020204" pitchFamily="34" charset="0"/>
-              </a:rPr>
-              <a:t> </a:t>
-            </a:r>
-            <a:r>
-              <a:rPr lang="es-MX" dirty="0" err="1">
-                <a:latin typeface="Arial" panose="020B0604020202020204" pitchFamily="34" charset="0"/>
-                <a:cs typeface="Arial" panose="020B0604020202020204" pitchFamily="34" charset="0"/>
-              </a:rPr>
-              <a:t>with</a:t>
-            </a:r>
-            <a:r>
-              <a:rPr lang="es-MX" dirty="0">
-                <a:latin typeface="Arial" panose="020B0604020202020204" pitchFamily="34" charset="0"/>
-                <a:cs typeface="Arial" panose="020B0604020202020204" pitchFamily="34" charset="0"/>
-              </a:rPr>
-              <a:t> </a:t>
-            </a:r>
-            <a:r>
-              <a:rPr lang="es-MX" dirty="0" err="1">
-                <a:latin typeface="Arial" panose="020B0604020202020204" pitchFamily="34" charset="0"/>
-                <a:cs typeface="Arial" panose="020B0604020202020204" pitchFamily="34" charset="0"/>
-              </a:rPr>
-              <a:t>Limited</a:t>
-            </a:r>
-            <a:r>
-              <a:rPr lang="es-MX" dirty="0">
-                <a:latin typeface="Arial" panose="020B0604020202020204" pitchFamily="34" charset="0"/>
-                <a:cs typeface="Arial" panose="020B0604020202020204" pitchFamily="34" charset="0"/>
-              </a:rPr>
-              <a:t> </a:t>
-            </a:r>
-            <a:r>
-              <a:rPr lang="es-MX" dirty="0" err="1">
-                <a:latin typeface="Arial" panose="020B0604020202020204" pitchFamily="34" charset="0"/>
-                <a:cs typeface="Arial" panose="020B0604020202020204" pitchFamily="34" charset="0"/>
-              </a:rPr>
-              <a:t>Contrast</a:t>
-            </a:r>
-            <a:r>
-              <a:rPr lang="es-MX" dirty="0">
-                <a:latin typeface="Arial" panose="020B0604020202020204" pitchFamily="34" charset="0"/>
-                <a:cs typeface="Arial" panose="020B0604020202020204" pitchFamily="34" charset="0"/>
-              </a:rPr>
-              <a:t> (QHELC) tiene como objetivo mejorar el contraste de las imágenes preservando el brillo promedio, evitando así una apariencia artificial. Está basado en la segmentación del histograma y en técnicas de recorte y distribución controlada. A continuación se detallan los pasos matemáticos.</a:t>
-            </a:r>
-          </a:p>
-          <a:p>
-            <a:endParaRPr lang="es-PY" dirty="0">
-              <a:latin typeface="Arial" panose="020B0604020202020204" pitchFamily="34" charset="0"/>
-              <a:cs typeface="Arial" panose="020B0604020202020204" pitchFamily="34" charset="0"/>
-            </a:endParaRPr>
-          </a:p>
-        </p:txBody>
-      </p:sp>
-      <p:pic>
-        <p:nvPicPr>
-          <p:cNvPr id="5" name="Imagen 4">
-            <a:extLst>
-              <a:ext uri="{FF2B5EF4-FFF2-40B4-BE49-F238E27FC236}">
-                <a16:creationId xmlns:a16="http://schemas.microsoft.com/office/drawing/2014/main" id="{56F83F2A-9EB9-4694-B1F3-BE7308FFC66F}"/>
-              </a:ext>
-            </a:extLst>
-          </p:cNvPr>
-          <p:cNvPicPr>
-            <a:picLocks noChangeAspect="1"/>
-          </p:cNvPicPr>
-          <p:nvPr/>
-        </p:nvPicPr>
-        <p:blipFill>
-          <a:blip r:embed="rId2"/>
-          <a:stretch>
-            <a:fillRect/>
-          </a:stretch>
-        </p:blipFill>
-        <p:spPr>
-          <a:xfrm>
-            <a:off x="821525" y="3684590"/>
-            <a:ext cx="8574266" cy="2746262"/>
-          </a:xfrm>
-          <a:prstGeom prst="rect">
-            <a:avLst/>
-          </a:prstGeom>
-        </p:spPr>
-      </p:pic>
+              <a:t>Divide el histograma en cuatro partes, aplica recortes controlados y redistribuye el exceso. Conserva el brillo medio y reduce distorsiones, ideal para preservar detalles en imágenes sensibles.</a:t>
+            </a:r>
+          </a:p>
+          <a:p>
+            <a:endParaRPr lang="es-PY" dirty="0"/>
+          </a:p>
+        </p:txBody>
+      </p:sp>
     </p:spTree>
     <p:extLst>
       <p:ext uri="{BB962C8B-B14F-4D97-AF65-F5344CB8AC3E}">
-        <p14:creationId xmlns:p14="http://schemas.microsoft.com/office/powerpoint/2010/main" val="2138937387"/>
+        <p14:creationId xmlns:p14="http://schemas.microsoft.com/office/powerpoint/2010/main" val="4011346636"/>
       </p:ext>
     </p:extLst>
   </p:cSld>
@@ -8297,6 +8434,41 @@
       </p:grpSpPr>
       <p:sp>
         <p:nvSpPr>
+          <p:cNvPr id="2" name="Título 1">
+            <a:extLst>
+              <a:ext uri="{FF2B5EF4-FFF2-40B4-BE49-F238E27FC236}">
+                <a16:creationId xmlns:a16="http://schemas.microsoft.com/office/drawing/2014/main" id="{3B6A1E40-91F1-4751-B191-8B6E41BEE22E}"/>
+              </a:ext>
+            </a:extLst>
+          </p:cNvPr>
+          <p:cNvSpPr>
+            <a:spLocks noGrp="1"/>
+          </p:cNvSpPr>
+          <p:nvPr>
+            <p:ph type="title"/>
+          </p:nvPr>
+        </p:nvSpPr>
+        <p:spPr>
+          <a:xfrm>
+            <a:off x="463826" y="609599"/>
+            <a:ext cx="8810177" cy="1256227"/>
+          </a:xfrm>
+        </p:spPr>
+        <p:txBody>
+          <a:bodyPr>
+            <a:normAutofit fontScale="90000"/>
+          </a:bodyPr>
+          <a:lstStyle/>
+          <a:p>
+            <a:r>
+              <a:rPr lang="es-PY" b="1" dirty="0"/>
+              <a:t>Fundamento Matemático del Método QHELC</a:t>
+            </a:r>
+          </a:p>
+        </p:txBody>
+      </p:sp>
+      <p:sp>
+        <p:nvSpPr>
           <p:cNvPr id="3" name="Marcador de texto 2">
             <a:extLst>
               <a:ext uri="{FF2B5EF4-FFF2-40B4-BE49-F238E27FC236}">
@@ -8313,61 +8485,69 @@
         </p:nvSpPr>
         <p:spPr>
           <a:xfrm>
-            <a:off x="318052" y="463826"/>
-            <a:ext cx="8810177" cy="5261114"/>
+            <a:off x="463826" y="2242345"/>
+            <a:ext cx="8810177" cy="3126348"/>
           </a:xfrm>
         </p:spPr>
         <p:txBody>
-          <a:bodyPr anchor="t"/>
+          <a:bodyPr anchor="t">
+            <a:normAutofit/>
+          </a:bodyPr>
           <a:lstStyle/>
           <a:p>
-            <a:endParaRPr lang="es-MX" dirty="0">
+            <a:r>
+              <a:rPr lang="es-MX" sz="2000" dirty="0">
+                <a:latin typeface="Arial" panose="020B0604020202020204" pitchFamily="34" charset="0"/>
+                <a:cs typeface="Arial" panose="020B0604020202020204" pitchFamily="34" charset="0"/>
+              </a:rPr>
+              <a:t>Tiene como objetivo mejorar el contraste de las imágenes preservando el brillo promedio, evitando así una apariencia artificial.</a:t>
+            </a:r>
+          </a:p>
+          <a:p>
+            <a:r>
+              <a:rPr lang="es-MX" sz="2000" dirty="0">
+                <a:latin typeface="Arial" panose="020B0604020202020204" pitchFamily="34" charset="0"/>
+                <a:cs typeface="Arial" panose="020B0604020202020204" pitchFamily="34" charset="0"/>
+              </a:rPr>
+              <a:t> </a:t>
+            </a:r>
+          </a:p>
+          <a:p>
+            <a:r>
+              <a:rPr lang="es-MX" sz="2000" dirty="0">
+                <a:latin typeface="Arial" panose="020B0604020202020204" pitchFamily="34" charset="0"/>
+                <a:cs typeface="Arial" panose="020B0604020202020204" pitchFamily="34" charset="0"/>
+              </a:rPr>
+              <a:t>Está basado en la segmentación del histograma y en técnicas de recorte y distribución controlada. </a:t>
+            </a:r>
+          </a:p>
+          <a:p>
+            <a:endParaRPr lang="es-MX" sz="2000" dirty="0">
               <a:latin typeface="Arial" panose="020B0604020202020204" pitchFamily="34" charset="0"/>
               <a:cs typeface="Arial" panose="020B0604020202020204" pitchFamily="34" charset="0"/>
             </a:endParaRPr>
           </a:p>
           <a:p>
-            <a:endParaRPr lang="es-PY" dirty="0">
+            <a:r>
+              <a:rPr lang="es-MX" sz="2000" dirty="0">
+                <a:latin typeface="Arial" panose="020B0604020202020204" pitchFamily="34" charset="0"/>
+                <a:cs typeface="Arial" panose="020B0604020202020204" pitchFamily="34" charset="0"/>
+              </a:rPr>
+              <a:t>A continuación se detallan los pasos matemáticos.</a:t>
+            </a:r>
+          </a:p>
+          <a:p>
+            <a:endParaRPr lang="es-PY" sz="2000" dirty="0">
               <a:latin typeface="Arial" panose="020B0604020202020204" pitchFamily="34" charset="0"/>
               <a:cs typeface="Arial" panose="020B0604020202020204" pitchFamily="34" charset="0"/>
             </a:endParaRPr>
           </a:p>
         </p:txBody>
       </p:sp>
-      <p:pic>
-        <p:nvPicPr>
-          <p:cNvPr id="8" name="Imagen 7">
-            <a:extLst>
-              <a:ext uri="{FF2B5EF4-FFF2-40B4-BE49-F238E27FC236}">
-                <a16:creationId xmlns:a16="http://schemas.microsoft.com/office/drawing/2014/main" id="{629150B8-4F20-42C3-B869-788D72E14B9C}"/>
-              </a:ext>
-            </a:extLst>
-          </p:cNvPr>
-          <p:cNvPicPr>
-            <a:picLocks noChangeAspect="1"/>
-          </p:cNvPicPr>
-          <p:nvPr/>
-        </p:nvPicPr>
-        <p:blipFill>
-          <a:blip r:embed="rId2"/>
-          <a:stretch>
-            <a:fillRect/>
-          </a:stretch>
-        </p:blipFill>
-        <p:spPr>
-          <a:xfrm>
-            <a:off x="318052" y="1991138"/>
-            <a:ext cx="10011190" cy="2875724"/>
-          </a:xfrm>
-          <a:prstGeom prst="rect">
-            <a:avLst/>
-          </a:prstGeom>
-        </p:spPr>
-      </p:pic>
     </p:spTree>
     <p:extLst>
       <p:ext uri="{BB962C8B-B14F-4D97-AF65-F5344CB8AC3E}">
-        <p14:creationId xmlns:p14="http://schemas.microsoft.com/office/powerpoint/2010/main" val="3708973803"/>
+        <p14:creationId xmlns:p14="http://schemas.microsoft.com/office/powerpoint/2010/main" val="2138937387"/>
       </p:ext>
     </p:extLst>
   </p:cSld>
@@ -8399,7 +8579,7 @@
           <p:cNvPr id="2" name="Título 1">
             <a:extLst>
               <a:ext uri="{FF2B5EF4-FFF2-40B4-BE49-F238E27FC236}">
-                <a16:creationId xmlns:a16="http://schemas.microsoft.com/office/drawing/2014/main" id="{2DC37F59-6DFC-4BB2-8A56-5E12456BE437}"/>
+                <a16:creationId xmlns:a16="http://schemas.microsoft.com/office/drawing/2014/main" id="{FEC2A087-4114-41CF-8D55-6A6587075F66}"/>
               </a:ext>
             </a:extLst>
           </p:cNvPr>
@@ -8412,17 +8592,19 @@
         </p:nvSpPr>
         <p:spPr>
           <a:xfrm>
-            <a:off x="159026" y="609600"/>
-            <a:ext cx="9114977" cy="834887"/>
+            <a:off x="677335" y="242047"/>
+            <a:ext cx="8596668" cy="909918"/>
           </a:xfrm>
         </p:spPr>
         <p:txBody>
-          <a:bodyPr/>
+          <a:bodyPr>
+            <a:normAutofit/>
+          </a:bodyPr>
           <a:lstStyle/>
           <a:p>
             <a:r>
-              <a:rPr lang="es-PY" dirty="0"/>
-              <a:t>Segmentación del histograma</a:t>
+              <a:rPr lang="es-PY" sz="3200" dirty="0"/>
+              <a:t>Cálculo del histograma y la probabilidad</a:t>
             </a:r>
           </a:p>
         </p:txBody>
@@ -8432,7 +8614,7 @@
           <p:cNvPr id="3" name="Marcador de texto 2">
             <a:extLst>
               <a:ext uri="{FF2B5EF4-FFF2-40B4-BE49-F238E27FC236}">
-                <a16:creationId xmlns:a16="http://schemas.microsoft.com/office/drawing/2014/main" id="{B2B57696-095F-422D-BA8E-2DEB0ADC6873}"/>
+                <a16:creationId xmlns:a16="http://schemas.microsoft.com/office/drawing/2014/main" id="{08E0FB68-0131-4E07-A078-AE726C913B84}"/>
               </a:ext>
             </a:extLst>
           </p:cNvPr>
@@ -8445,68 +8627,105 @@
         </p:nvSpPr>
         <p:spPr>
           <a:xfrm>
-            <a:off x="331304" y="1749287"/>
-            <a:ext cx="8942699" cy="4373217"/>
+            <a:off x="677335" y="1151965"/>
+            <a:ext cx="8596668" cy="5463988"/>
           </a:xfrm>
         </p:spPr>
         <p:txBody>
-          <a:bodyPr anchor="t"/>
+          <a:bodyPr/>
           <a:lstStyle/>
           <a:p>
             <a:r>
-              <a:rPr lang="es-MX" dirty="0">
+              <a:rPr lang="es-PY" dirty="0">
                 <a:latin typeface="Arial" panose="020B0604020202020204" pitchFamily="34" charset="0"/>
                 <a:cs typeface="Arial" panose="020B0604020202020204" pitchFamily="34" charset="0"/>
               </a:rPr>
-              <a:t>El histograma se divide en </a:t>
-            </a:r>
-            <a:r>
-              <a:rPr lang="es-MX" b="1" dirty="0">
+              <a:t>Sea I(x, y) la intensidad de un pixel dentro de la imagen I, y el tamaño total de la</a:t>
+            </a:r>
+          </a:p>
+          <a:p>
+            <a:r>
+              <a:rPr lang="es-PY" dirty="0">
                 <a:latin typeface="Arial" panose="020B0604020202020204" pitchFamily="34" charset="0"/>
                 <a:cs typeface="Arial" panose="020B0604020202020204" pitchFamily="34" charset="0"/>
               </a:rPr>
-              <a:t>cuatro </a:t>
-            </a:r>
-            <a:r>
-              <a:rPr lang="es-MX" b="1" dirty="0" err="1">
+              <a:t>imagen M×N.</a:t>
+            </a:r>
+          </a:p>
+          <a:p>
+            <a:r>
+              <a:rPr lang="es-PY" sz="2000" dirty="0">
                 <a:latin typeface="Arial" panose="020B0604020202020204" pitchFamily="34" charset="0"/>
                 <a:cs typeface="Arial" panose="020B0604020202020204" pitchFamily="34" charset="0"/>
               </a:rPr>
-              <a:t>sub-histogramas</a:t>
-            </a:r>
-            <a:r>
-              <a:rPr lang="es-MX" dirty="0">
+              <a:t>Histograma:</a:t>
+            </a:r>
+          </a:p>
+          <a:p>
+            <a:endParaRPr lang="es-PY" sz="2000" dirty="0">
+              <a:latin typeface="Arial" panose="020B0604020202020204" pitchFamily="34" charset="0"/>
+              <a:cs typeface="Arial" panose="020B0604020202020204" pitchFamily="34" charset="0"/>
+            </a:endParaRPr>
+          </a:p>
+          <a:p>
+            <a:r>
+              <a:rPr lang="es-PY" sz="2000" dirty="0">
                 <a:latin typeface="Arial" panose="020B0604020202020204" pitchFamily="34" charset="0"/>
                 <a:cs typeface="Arial" panose="020B0604020202020204" pitchFamily="34" charset="0"/>
               </a:rPr>
-              <a:t> con base en el </a:t>
-            </a:r>
-            <a:r>
-              <a:rPr lang="es-MX" b="1" dirty="0">
+              <a:t>Probabilidad de ocurrencia de q:</a:t>
+            </a:r>
+          </a:p>
+          <a:p>
+            <a:endParaRPr lang="es-PY" sz="2000" dirty="0">
+              <a:latin typeface="Arial" panose="020B0604020202020204" pitchFamily="34" charset="0"/>
+              <a:cs typeface="Arial" panose="020B0604020202020204" pitchFamily="34" charset="0"/>
+            </a:endParaRPr>
+          </a:p>
+          <a:p>
+            <a:endParaRPr lang="es-PY" sz="2000" dirty="0">
+              <a:latin typeface="Arial" panose="020B0604020202020204" pitchFamily="34" charset="0"/>
+              <a:cs typeface="Arial" panose="020B0604020202020204" pitchFamily="34" charset="0"/>
+            </a:endParaRPr>
+          </a:p>
+          <a:p>
+            <a:r>
+              <a:rPr lang="es-PY" sz="2000" dirty="0">
                 <a:latin typeface="Arial" panose="020B0604020202020204" pitchFamily="34" charset="0"/>
                 <a:cs typeface="Arial" panose="020B0604020202020204" pitchFamily="34" charset="0"/>
               </a:rPr>
-              <a:t>brillo promedio</a:t>
-            </a:r>
-            <a:r>
-              <a:rPr lang="es-MX" dirty="0">
+              <a:t>Función de densidad acumulada:</a:t>
+            </a:r>
+          </a:p>
+          <a:p>
+            <a:endParaRPr lang="es-PY" sz="2000" dirty="0">
+              <a:latin typeface="Arial" panose="020B0604020202020204" pitchFamily="34" charset="0"/>
+              <a:cs typeface="Arial" panose="020B0604020202020204" pitchFamily="34" charset="0"/>
+            </a:endParaRPr>
+          </a:p>
+          <a:p>
+            <a:endParaRPr lang="es-PY" sz="2000" dirty="0">
+              <a:latin typeface="Arial" panose="020B0604020202020204" pitchFamily="34" charset="0"/>
+              <a:cs typeface="Arial" panose="020B0604020202020204" pitchFamily="34" charset="0"/>
+            </a:endParaRPr>
+          </a:p>
+          <a:p>
+            <a:r>
+              <a:rPr lang="es-PY" sz="2000" dirty="0">
                 <a:latin typeface="Arial" panose="020B0604020202020204" pitchFamily="34" charset="0"/>
                 <a:cs typeface="Arial" panose="020B0604020202020204" pitchFamily="34" charset="0"/>
               </a:rPr>
-              <a:t> de la imagen.</a:t>
-            </a:r>
-          </a:p>
-          <a:p>
-            <a:endParaRPr lang="es-MX" dirty="0">
+              <a:t>Función de ecualización:</a:t>
+            </a:r>
+          </a:p>
+          <a:p>
+            <a:endParaRPr lang="es-PY" sz="2000" dirty="0">
               <a:latin typeface="Arial" panose="020B0604020202020204" pitchFamily="34" charset="0"/>
               <a:cs typeface="Arial" panose="020B0604020202020204" pitchFamily="34" charset="0"/>
             </a:endParaRPr>
           </a:p>
           <a:p>
-            <a:endParaRPr lang="es-PY" dirty="0">
-              <a:latin typeface="Arial" panose="020B0604020202020204" pitchFamily="34" charset="0"/>
-              <a:cs typeface="Arial" panose="020B0604020202020204" pitchFamily="34" charset="0"/>
-            </a:endParaRPr>
+            <a:endParaRPr lang="es-PY" dirty="0"/>
           </a:p>
         </p:txBody>
       </p:sp>
@@ -8515,7 +8734,7 @@
           <p:cNvPr id="5" name="Imagen 4">
             <a:extLst>
               <a:ext uri="{FF2B5EF4-FFF2-40B4-BE49-F238E27FC236}">
-                <a16:creationId xmlns:a16="http://schemas.microsoft.com/office/drawing/2014/main" id="{0A3532CB-5C3E-449B-A66C-8F607675E1AF}"/>
+                <a16:creationId xmlns:a16="http://schemas.microsoft.com/office/drawing/2014/main" id="{E1CF8892-2B80-41B7-BBF7-C576048AFA5D}"/>
               </a:ext>
             </a:extLst>
           </p:cNvPr>
@@ -8532,8 +8751,98 @@
         </p:blipFill>
         <p:spPr>
           <a:xfrm>
-            <a:off x="636525" y="2819462"/>
-            <a:ext cx="7932628" cy="2812712"/>
+            <a:off x="1949041" y="2328824"/>
+            <a:ext cx="3950104" cy="507508"/>
+          </a:xfrm>
+          <a:prstGeom prst="rect">
+            <a:avLst/>
+          </a:prstGeom>
+        </p:spPr>
+      </p:pic>
+      <p:pic>
+        <p:nvPicPr>
+          <p:cNvPr id="6" name="Imagen 5">
+            <a:extLst>
+              <a:ext uri="{FF2B5EF4-FFF2-40B4-BE49-F238E27FC236}">
+                <a16:creationId xmlns:a16="http://schemas.microsoft.com/office/drawing/2014/main" id="{C08B9ECD-3D38-4AB3-970F-13D0E7D14A60}"/>
+              </a:ext>
+            </a:extLst>
+          </p:cNvPr>
+          <p:cNvPicPr>
+            <a:picLocks noChangeAspect="1"/>
+          </p:cNvPicPr>
+          <p:nvPr/>
+        </p:nvPicPr>
+        <p:blipFill>
+          <a:blip r:embed="rId3"/>
+          <a:stretch>
+            <a:fillRect/>
+          </a:stretch>
+        </p:blipFill>
+        <p:spPr>
+          <a:xfrm>
+            <a:off x="2625107" y="3243990"/>
+            <a:ext cx="1588290" cy="700512"/>
+          </a:xfrm>
+          <a:prstGeom prst="rect">
+            <a:avLst/>
+          </a:prstGeom>
+        </p:spPr>
+      </p:pic>
+      <p:pic>
+        <p:nvPicPr>
+          <p:cNvPr id="7" name="Imagen 6">
+            <a:extLst>
+              <a:ext uri="{FF2B5EF4-FFF2-40B4-BE49-F238E27FC236}">
+                <a16:creationId xmlns:a16="http://schemas.microsoft.com/office/drawing/2014/main" id="{A8C5714D-58EF-4EF4-BB2E-D4DFED5F2BC5}"/>
+              </a:ext>
+            </a:extLst>
+          </p:cNvPr>
+          <p:cNvPicPr>
+            <a:picLocks noChangeAspect="1"/>
+          </p:cNvPicPr>
+          <p:nvPr/>
+        </p:nvPicPr>
+        <p:blipFill>
+          <a:blip r:embed="rId4"/>
+          <a:stretch>
+            <a:fillRect/>
+          </a:stretch>
+        </p:blipFill>
+        <p:spPr>
+          <a:xfrm>
+            <a:off x="2696041" y="4540232"/>
+            <a:ext cx="1521418" cy="753464"/>
+          </a:xfrm>
+          <a:prstGeom prst="rect">
+            <a:avLst/>
+          </a:prstGeom>
+        </p:spPr>
+      </p:pic>
+      <p:pic>
+        <p:nvPicPr>
+          <p:cNvPr id="8" name="Imagen 7">
+            <a:extLst>
+              <a:ext uri="{FF2B5EF4-FFF2-40B4-BE49-F238E27FC236}">
+                <a16:creationId xmlns:a16="http://schemas.microsoft.com/office/drawing/2014/main" id="{04C7B61F-5D78-4920-83EC-DDD923D13A9A}"/>
+              </a:ext>
+            </a:extLst>
+          </p:cNvPr>
+          <p:cNvPicPr>
+            <a:picLocks noChangeAspect="1"/>
+          </p:cNvPicPr>
+          <p:nvPr/>
+        </p:nvPicPr>
+        <p:blipFill>
+          <a:blip r:embed="rId5"/>
+          <a:stretch>
+            <a:fillRect/>
+          </a:stretch>
+        </p:blipFill>
+        <p:spPr>
+          <a:xfrm>
+            <a:off x="1411159" y="5906540"/>
+            <a:ext cx="5223398" cy="458038"/>
           </a:xfrm>
           <a:prstGeom prst="rect">
             <a:avLst/>
@@ -8543,7 +8852,7 @@
     </p:spTree>
     <p:extLst>
       <p:ext uri="{BB962C8B-B14F-4D97-AF65-F5344CB8AC3E}">
-        <p14:creationId xmlns:p14="http://schemas.microsoft.com/office/powerpoint/2010/main" val="2068042869"/>
+        <p14:creationId xmlns:p14="http://schemas.microsoft.com/office/powerpoint/2010/main" val="3399821439"/>
       </p:ext>
     </p:extLst>
   </p:cSld>
@@ -8572,10 +8881,10 @@
       </p:grpSpPr>
       <p:sp>
         <p:nvSpPr>
-          <p:cNvPr id="3" name="Marcador de texto 2">
+          <p:cNvPr id="2" name="Título 1">
             <a:extLst>
               <a:ext uri="{FF2B5EF4-FFF2-40B4-BE49-F238E27FC236}">
-                <a16:creationId xmlns:a16="http://schemas.microsoft.com/office/drawing/2014/main" id="{B41EEA9E-7EEC-4260-AF53-A09A55A703EF}"/>
+                <a16:creationId xmlns:a16="http://schemas.microsoft.com/office/drawing/2014/main" id="{36DB05BE-8F44-4ABD-96EA-1FA2049CA0B4}"/>
               </a:ext>
             </a:extLst>
           </p:cNvPr>
@@ -8583,32 +8892,300 @@
             <a:spLocks noGrp="1"/>
           </p:cNvSpPr>
           <p:nvPr>
-            <p:ph type="body" idx="1"/>
+            <p:ph type="title"/>
           </p:nvPr>
         </p:nvSpPr>
         <p:spPr>
           <a:xfrm>
-            <a:off x="226760" y="454991"/>
-            <a:ext cx="9235291" cy="5839791"/>
+            <a:off x="677335" y="434788"/>
+            <a:ext cx="8596668" cy="1111624"/>
           </a:xfrm>
         </p:spPr>
         <p:txBody>
-          <a:bodyPr anchor="t"/>
+          <a:bodyPr>
+            <a:normAutofit/>
+          </a:bodyPr>
           <a:lstStyle/>
           <a:p>
             <a:r>
-              <a:rPr lang="es-PY" dirty="0"/>
-              <a:t>Brillo Promedio de Mitades</a:t>
-            </a:r>
-          </a:p>
-        </p:txBody>
-      </p:sp>
+              <a:rPr lang="es-PY" sz="3200" dirty="0"/>
+              <a:t>Segmentación del histograma</a:t>
+            </a:r>
+          </a:p>
+        </p:txBody>
+      </p:sp>
+      <mc:AlternateContent xmlns:mc="http://schemas.openxmlformats.org/markup-compatibility/2006" xmlns:a14="http://schemas.microsoft.com/office/drawing/2010/main">
+        <mc:Choice Requires="a14">
+          <p:sp>
+            <p:nvSpPr>
+              <p:cNvPr id="3" name="Marcador de texto 2">
+                <a:extLst>
+                  <a:ext uri="{FF2B5EF4-FFF2-40B4-BE49-F238E27FC236}">
+                    <a16:creationId xmlns:a16="http://schemas.microsoft.com/office/drawing/2014/main" id="{749BEE5C-1C22-4B66-9661-BA131378D2B0}"/>
+                  </a:ext>
+                </a:extLst>
+              </p:cNvPr>
+              <p:cNvSpPr>
+                <a:spLocks noGrp="1"/>
+              </p:cNvSpPr>
+              <p:nvPr>
+                <p:ph type="body" idx="1"/>
+              </p:nvPr>
+            </p:nvSpPr>
+            <p:spPr>
+              <a:xfrm>
+                <a:off x="677335" y="1546412"/>
+                <a:ext cx="8596668" cy="4876800"/>
+              </a:xfrm>
+            </p:spPr>
+            <p:txBody>
+              <a:bodyPr anchor="t"/>
+              <a:lstStyle/>
+              <a:p>
+                <a:r>
+                  <a:rPr lang="es-PY" dirty="0"/>
+                  <a:t>El histograma original se divide en dos sub-histogramas según el valor de intensidad media esperada SP.</a:t>
+                </a:r>
+              </a:p>
+              <a:p>
+                <a:endParaRPr lang="es-PY" dirty="0"/>
+              </a:p>
+              <a:p>
+                <a:endParaRPr lang="es-PY" dirty="0"/>
+              </a:p>
+              <a:p>
+                <a:r>
+                  <a:rPr lang="es-PY" dirty="0"/>
+                  <a:t>Ambos sub-histogramas se vuelven a dividir luego de calcular los valores SPL y SPU</a:t>
+                </a:r>
+              </a:p>
+              <a:p>
+                <a:endParaRPr lang="es-PY" dirty="0"/>
+              </a:p>
+              <a:p>
+                <a:endParaRPr lang="es-PY" dirty="0"/>
+              </a:p>
+              <a:p>
+                <a:r>
+                  <a:rPr lang="es-PY" dirty="0"/>
+                  <a:t>Los sub-histogramas finales son </a:t>
+                </a:r>
+                <a14:m>
+                  <m:oMath xmlns:m="http://schemas.openxmlformats.org/officeDocument/2006/math">
+                    <m:sSub>
+                      <m:sSubPr>
+                        <m:ctrlPr>
+                          <a:rPr lang="es-PY" b="0" i="1" dirty="0" smtClean="0">
+                            <a:latin typeface="Cambria Math" panose="02040503050406030204" pitchFamily="18" charset="0"/>
+                          </a:rPr>
+                        </m:ctrlPr>
+                      </m:sSubPr>
+                      <m:e>
+                        <m:r>
+                          <a:rPr lang="es-PY" i="1" dirty="0" smtClean="0">
+                            <a:latin typeface="Cambria Math" panose="02040503050406030204" pitchFamily="18" charset="0"/>
+                          </a:rPr>
+                          <m:t>𝐻</m:t>
+                        </m:r>
+                      </m:e>
+                      <m:sub>
+                        <m:r>
+                          <a:rPr lang="es-PY" i="1" dirty="0" smtClean="0">
+                            <a:latin typeface="Cambria Math" panose="02040503050406030204" pitchFamily="18" charset="0"/>
+                          </a:rPr>
+                          <m:t>𝐿</m:t>
+                        </m:r>
+                        <m:r>
+                          <a:rPr lang="es-PY" i="1" dirty="0" smtClean="0">
+                            <a:latin typeface="Cambria Math" panose="02040503050406030204" pitchFamily="18" charset="0"/>
+                          </a:rPr>
+                          <m:t>1</m:t>
+                        </m:r>
+                      </m:sub>
+                    </m:sSub>
+                  </m:oMath>
+                </a14:m>
+                <a:r>
+                  <a:rPr lang="es-PY" dirty="0"/>
+                  <a:t>, </a:t>
+                </a:r>
+                <a14:m>
+                  <m:oMath xmlns:m="http://schemas.openxmlformats.org/officeDocument/2006/math">
+                    <m:sSub>
+                      <m:sSubPr>
+                        <m:ctrlPr>
+                          <a:rPr lang="es-PY" i="1" dirty="0">
+                            <a:latin typeface="Cambria Math" panose="02040503050406030204" pitchFamily="18" charset="0"/>
+                          </a:rPr>
+                        </m:ctrlPr>
+                      </m:sSubPr>
+                      <m:e>
+                        <m:r>
+                          <a:rPr lang="es-PY" i="1" dirty="0">
+                            <a:latin typeface="Cambria Math" panose="02040503050406030204" pitchFamily="18" charset="0"/>
+                          </a:rPr>
+                          <m:t>𝐻</m:t>
+                        </m:r>
+                      </m:e>
+                      <m:sub>
+                        <m:r>
+                          <a:rPr lang="es-PY" i="1" dirty="0">
+                            <a:latin typeface="Cambria Math" panose="02040503050406030204" pitchFamily="18" charset="0"/>
+                          </a:rPr>
+                          <m:t>𝐿</m:t>
+                        </m:r>
+                        <m:r>
+                          <a:rPr lang="es-PY" b="0" i="1" dirty="0" smtClean="0">
+                            <a:latin typeface="Cambria Math" panose="02040503050406030204" pitchFamily="18" charset="0"/>
+                          </a:rPr>
+                          <m:t>2</m:t>
+                        </m:r>
+                      </m:sub>
+                    </m:sSub>
+                  </m:oMath>
+                </a14:m>
+                <a:r>
+                  <a:rPr lang="es-PY" dirty="0"/>
+                  <a:t>, </a:t>
+                </a:r>
+                <a14:m>
+                  <m:oMath xmlns:m="http://schemas.openxmlformats.org/officeDocument/2006/math">
+                    <m:sSub>
+                      <m:sSubPr>
+                        <m:ctrlPr>
+                          <a:rPr lang="es-PY" i="1" dirty="0">
+                            <a:latin typeface="Cambria Math" panose="02040503050406030204" pitchFamily="18" charset="0"/>
+                          </a:rPr>
+                        </m:ctrlPr>
+                      </m:sSubPr>
+                      <m:e>
+                        <m:r>
+                          <a:rPr lang="es-PY" i="1" dirty="0">
+                            <a:latin typeface="Cambria Math" panose="02040503050406030204" pitchFamily="18" charset="0"/>
+                          </a:rPr>
+                          <m:t>𝐻</m:t>
+                        </m:r>
+                      </m:e>
+                      <m:sub>
+                        <m:r>
+                          <a:rPr lang="es-PY" b="0" i="1" dirty="0" smtClean="0">
+                            <a:latin typeface="Cambria Math" panose="02040503050406030204" pitchFamily="18" charset="0"/>
+                          </a:rPr>
+                          <m:t>𝑈</m:t>
+                        </m:r>
+                        <m:r>
+                          <a:rPr lang="es-PY" i="1" dirty="0">
+                            <a:latin typeface="Cambria Math" panose="02040503050406030204" pitchFamily="18" charset="0"/>
+                          </a:rPr>
+                          <m:t>1</m:t>
+                        </m:r>
+                      </m:sub>
+                    </m:sSub>
+                  </m:oMath>
+                </a14:m>
+                <a:r>
+                  <a:rPr lang="es-PY" dirty="0"/>
+                  <a:t> y </a:t>
+                </a:r>
+                <a14:m>
+                  <m:oMath xmlns:m="http://schemas.openxmlformats.org/officeDocument/2006/math">
+                    <m:sSub>
+                      <m:sSubPr>
+                        <m:ctrlPr>
+                          <a:rPr lang="es-PY" i="1" dirty="0">
+                            <a:latin typeface="Cambria Math" panose="02040503050406030204" pitchFamily="18" charset="0"/>
+                          </a:rPr>
+                        </m:ctrlPr>
+                      </m:sSubPr>
+                      <m:e>
+                        <m:r>
+                          <a:rPr lang="es-PY" i="1" dirty="0">
+                            <a:latin typeface="Cambria Math" panose="02040503050406030204" pitchFamily="18" charset="0"/>
+                          </a:rPr>
+                          <m:t>𝐻</m:t>
+                        </m:r>
+                      </m:e>
+                      <m:sub>
+                        <m:r>
+                          <a:rPr lang="es-PY" b="0" i="1" dirty="0" smtClean="0">
+                            <a:latin typeface="Cambria Math" panose="02040503050406030204" pitchFamily="18" charset="0"/>
+                          </a:rPr>
+                          <m:t>𝑈</m:t>
+                        </m:r>
+                        <m:r>
+                          <a:rPr lang="es-PY" b="0" i="1" dirty="0" smtClean="0">
+                            <a:latin typeface="Cambria Math" panose="02040503050406030204" pitchFamily="18" charset="0"/>
+                          </a:rPr>
+                          <m:t>2</m:t>
+                        </m:r>
+                      </m:sub>
+                    </m:sSub>
+                  </m:oMath>
+                </a14:m>
+                <a:endParaRPr lang="es-PY" dirty="0"/>
+              </a:p>
+              <a:p>
+                <a:r>
+                  <a:rPr lang="es-PY" dirty="0"/>
+                  <a:t>con los rangos:</a:t>
+                </a:r>
+              </a:p>
+              <a:p>
+                <a:endParaRPr lang="es-PY" dirty="0"/>
+              </a:p>
+            </p:txBody>
+          </p:sp>
+        </mc:Choice>
+        <mc:Fallback xmlns="">
+          <p:sp>
+            <p:nvSpPr>
+              <p:cNvPr id="3" name="Marcador de texto 2">
+                <a:extLst>
+                  <a:ext uri="{FF2B5EF4-FFF2-40B4-BE49-F238E27FC236}">
+                    <a16:creationId xmlns:a16="http://schemas.microsoft.com/office/drawing/2014/main" id="{749BEE5C-1C22-4B66-9661-BA131378D2B0}"/>
+                  </a:ext>
+                </a:extLst>
+              </p:cNvPr>
+              <p:cNvSpPr>
+                <a:spLocks noGrp="1" noRot="1" noChangeAspect="1" noMove="1" noResize="1" noEditPoints="1" noAdjustHandles="1" noChangeArrowheads="1" noChangeShapeType="1" noTextEdit="1"/>
+              </p:cNvSpPr>
+              <p:nvPr>
+                <p:ph type="body" idx="1"/>
+              </p:nvPr>
+            </p:nvSpPr>
+            <p:spPr>
+              <a:xfrm>
+                <a:off x="677335" y="1546412"/>
+                <a:ext cx="8596668" cy="4876800"/>
+              </a:xfrm>
+              <a:blipFill>
+                <a:blip r:embed="rId2"/>
+                <a:stretch>
+                  <a:fillRect l="-567" t="-875"/>
+                </a:stretch>
+              </a:blipFill>
+            </p:spPr>
+            <p:txBody>
+              <a:bodyPr/>
+              <a:lstStyle/>
+              <a:p>
+                <a:r>
+                  <a:rPr lang="es-PY">
+                    <a:noFill/>
+                  </a:rPr>
+                  <a:t> </a:t>
+                </a:r>
+              </a:p>
+            </p:txBody>
+          </p:sp>
+        </mc:Fallback>
+      </mc:AlternateContent>
       <p:pic>
         <p:nvPicPr>
-          <p:cNvPr id="5" name="Imagen 4">
+          <p:cNvPr id="4" name="Imagen 3">
             <a:extLst>
               <a:ext uri="{FF2B5EF4-FFF2-40B4-BE49-F238E27FC236}">
-                <a16:creationId xmlns:a16="http://schemas.microsoft.com/office/drawing/2014/main" id="{F31A5E8D-0FA3-478A-9B87-525D5E8D9D5E}"/>
+                <a16:creationId xmlns:a16="http://schemas.microsoft.com/office/drawing/2014/main" id="{42913891-17F6-4394-BEE4-D806CE973285}"/>
               </a:ext>
             </a:extLst>
           </p:cNvPr>
@@ -8618,15 +9195,105 @@
           <p:nvPr/>
         </p:nvPicPr>
         <p:blipFill>
-          <a:blip r:embed="rId2"/>
+          <a:blip r:embed="rId3"/>
           <a:stretch>
             <a:fillRect/>
           </a:stretch>
         </p:blipFill>
         <p:spPr>
           <a:xfrm>
-            <a:off x="532118" y="2742379"/>
-            <a:ext cx="8179620" cy="2319951"/>
+            <a:off x="3333712" y="2254025"/>
+            <a:ext cx="1906661" cy="798457"/>
+          </a:xfrm>
+          <a:prstGeom prst="rect">
+            <a:avLst/>
+          </a:prstGeom>
+        </p:spPr>
+      </p:pic>
+      <p:pic>
+        <p:nvPicPr>
+          <p:cNvPr id="5" name="Imagen 4">
+            <a:extLst>
+              <a:ext uri="{FF2B5EF4-FFF2-40B4-BE49-F238E27FC236}">
+                <a16:creationId xmlns:a16="http://schemas.microsoft.com/office/drawing/2014/main" id="{F2E50DCE-7504-49A8-A7F2-F9268B9AEE16}"/>
+              </a:ext>
+            </a:extLst>
+          </p:cNvPr>
+          <p:cNvPicPr>
+            <a:picLocks noChangeAspect="1"/>
+          </p:cNvPicPr>
+          <p:nvPr/>
+        </p:nvPicPr>
+        <p:blipFill>
+          <a:blip r:embed="rId4"/>
+          <a:stretch>
+            <a:fillRect/>
+          </a:stretch>
+        </p:blipFill>
+        <p:spPr>
+          <a:xfrm>
+            <a:off x="2080383" y="3644154"/>
+            <a:ext cx="2025880" cy="695757"/>
+          </a:xfrm>
+          <a:prstGeom prst="rect">
+            <a:avLst/>
+          </a:prstGeom>
+        </p:spPr>
+      </p:pic>
+      <p:pic>
+        <p:nvPicPr>
+          <p:cNvPr id="6" name="Imagen 5">
+            <a:extLst>
+              <a:ext uri="{FF2B5EF4-FFF2-40B4-BE49-F238E27FC236}">
+                <a16:creationId xmlns:a16="http://schemas.microsoft.com/office/drawing/2014/main" id="{97B16321-9784-4F87-922E-1EEEA97EA3C8}"/>
+              </a:ext>
+            </a:extLst>
+          </p:cNvPr>
+          <p:cNvPicPr>
+            <a:picLocks noChangeAspect="1"/>
+          </p:cNvPicPr>
+          <p:nvPr/>
+        </p:nvPicPr>
+        <p:blipFill>
+          <a:blip r:embed="rId5"/>
+          <a:stretch>
+            <a:fillRect/>
+          </a:stretch>
+        </p:blipFill>
+        <p:spPr>
+          <a:xfrm>
+            <a:off x="4664253" y="3581862"/>
+            <a:ext cx="2025880" cy="820339"/>
+          </a:xfrm>
+          <a:prstGeom prst="rect">
+            <a:avLst/>
+          </a:prstGeom>
+        </p:spPr>
+      </p:pic>
+      <p:pic>
+        <p:nvPicPr>
+          <p:cNvPr id="7" name="Imagen 6">
+            <a:extLst>
+              <a:ext uri="{FF2B5EF4-FFF2-40B4-BE49-F238E27FC236}">
+                <a16:creationId xmlns:a16="http://schemas.microsoft.com/office/drawing/2014/main" id="{5B04FBFA-7CEE-4422-A1B4-AD2A10F6D14B}"/>
+              </a:ext>
+            </a:extLst>
+          </p:cNvPr>
+          <p:cNvPicPr>
+            <a:picLocks noChangeAspect="1"/>
+          </p:cNvPicPr>
+          <p:nvPr/>
+        </p:nvPicPr>
+        <p:blipFill>
+          <a:blip r:embed="rId6"/>
+          <a:stretch>
+            <a:fillRect/>
+          </a:stretch>
+        </p:blipFill>
+        <p:spPr>
+          <a:xfrm>
+            <a:off x="2631230" y="5067505"/>
+            <a:ext cx="2250053" cy="1254385"/>
           </a:xfrm>
           <a:prstGeom prst="rect">
             <a:avLst/>
@@ -8636,7 +9303,7 @@
     </p:spTree>
     <p:extLst>
       <p:ext uri="{BB962C8B-B14F-4D97-AF65-F5344CB8AC3E}">
-        <p14:creationId xmlns:p14="http://schemas.microsoft.com/office/powerpoint/2010/main" val="2281895033"/>
+        <p14:creationId xmlns:p14="http://schemas.microsoft.com/office/powerpoint/2010/main" val="2121695721"/>
       </p:ext>
     </p:extLst>
   </p:cSld>
@@ -8668,7 +9335,7 @@
           <p:cNvPr id="2" name="Título 1">
             <a:extLst>
               <a:ext uri="{FF2B5EF4-FFF2-40B4-BE49-F238E27FC236}">
-                <a16:creationId xmlns:a16="http://schemas.microsoft.com/office/drawing/2014/main" id="{03BF8B82-B4CD-4E94-81C0-1CCAA3D816CD}"/>
+                <a16:creationId xmlns:a16="http://schemas.microsoft.com/office/drawing/2014/main" id="{36DB05BE-8F44-4ABD-96EA-1FA2049CA0B4}"/>
               </a:ext>
             </a:extLst>
           </p:cNvPr>
@@ -8681,69 +9348,229 @@
         </p:nvSpPr>
         <p:spPr>
           <a:xfrm>
-            <a:off x="677335" y="609600"/>
-            <a:ext cx="8596668" cy="980661"/>
+            <a:off x="677335" y="173725"/>
+            <a:ext cx="8596668" cy="1111624"/>
           </a:xfrm>
         </p:spPr>
         <p:txBody>
           <a:bodyPr>
-            <a:normAutofit fontScale="90000"/>
+            <a:normAutofit/>
           </a:bodyPr>
           <a:lstStyle/>
           <a:p>
             <a:r>
-              <a:rPr lang="es-PY" b="1" dirty="0"/>
-              <a:t>Segmentos definidos</a:t>
-            </a:r>
-            <a:br>
-              <a:rPr lang="es-PY" b="1" dirty="0"/>
-            </a:br>
-            <a:endParaRPr lang="es-PY" dirty="0"/>
-          </a:p>
-        </p:txBody>
-      </p:sp>
-      <p:sp>
-        <p:nvSpPr>
-          <p:cNvPr id="3" name="Marcador de texto 2">
+              <a:rPr lang="es-PY" sz="3200" dirty="0"/>
+              <a:t>Recorte y Redistribución</a:t>
+            </a:r>
+          </a:p>
+        </p:txBody>
+      </p:sp>
+      <mc:AlternateContent xmlns:mc="http://schemas.openxmlformats.org/markup-compatibility/2006" xmlns:a14="http://schemas.microsoft.com/office/drawing/2010/main">
+        <mc:Choice Requires="a14">
+          <p:sp>
+            <p:nvSpPr>
+              <p:cNvPr id="3" name="Marcador de texto 2">
+                <a:extLst>
+                  <a:ext uri="{FF2B5EF4-FFF2-40B4-BE49-F238E27FC236}">
+                    <a16:creationId xmlns:a16="http://schemas.microsoft.com/office/drawing/2014/main" id="{749BEE5C-1C22-4B66-9661-BA131378D2B0}"/>
+                  </a:ext>
+                </a:extLst>
+              </p:cNvPr>
+              <p:cNvSpPr>
+                <a:spLocks noGrp="1"/>
+              </p:cNvSpPr>
+              <p:nvPr>
+                <p:ph type="body" idx="1"/>
+              </p:nvPr>
+            </p:nvSpPr>
+            <p:spPr>
+              <a:xfrm>
+                <a:off x="677335" y="1089212"/>
+                <a:ext cx="8596668" cy="5051612"/>
+              </a:xfrm>
+            </p:spPr>
+            <p:txBody>
+              <a:bodyPr anchor="t"/>
+              <a:lstStyle/>
+              <a:p>
+                <a:r>
+                  <a:rPr lang="es-PY" dirty="0"/>
+                  <a:t>Cada sub-histograma es procesado individualmente mediante un recorte controlado y una redistribución uniforme del exceso, con el fin de evitar concentraciones excesivas de intensidad.</a:t>
+                </a:r>
+              </a:p>
+              <a:p>
+                <a:r>
+                  <a:rPr lang="es-PY" dirty="0"/>
+                  <a:t>Paso 1: Calcular el límite de corte </a:t>
+                </a:r>
+                <a14:m>
+                  <m:oMath xmlns:m="http://schemas.openxmlformats.org/officeDocument/2006/math">
+                    <m:sSub>
+                      <m:sSubPr>
+                        <m:ctrlPr>
+                          <a:rPr lang="es-PY" i="1" smtClean="0">
+                            <a:latin typeface="Cambria Math" panose="02040503050406030204" pitchFamily="18" charset="0"/>
+                          </a:rPr>
+                        </m:ctrlPr>
+                      </m:sSubPr>
+                      <m:e>
+                        <m:r>
+                          <a:rPr lang="es-PY" b="0" i="1" smtClean="0">
+                            <a:latin typeface="Cambria Math" panose="02040503050406030204" pitchFamily="18" charset="0"/>
+                          </a:rPr>
+                          <m:t>𝐶𝐿</m:t>
+                        </m:r>
+                      </m:e>
+                      <m:sub>
+                        <m:r>
+                          <a:rPr lang="es-PY" b="0" i="1" smtClean="0">
+                            <a:latin typeface="Cambria Math" panose="02040503050406030204" pitchFamily="18" charset="0"/>
+                          </a:rPr>
+                          <m:t>𝑖</m:t>
+                        </m:r>
+                      </m:sub>
+                    </m:sSub>
+                  </m:oMath>
+                </a14:m>
+                <a:endParaRPr lang="es-PY" dirty="0"/>
+              </a:p>
+              <a:p>
+                <a:endParaRPr lang="es-PY" dirty="0"/>
+              </a:p>
+              <a:p>
+                <a:endParaRPr lang="es-PY" dirty="0"/>
+              </a:p>
+              <a:p>
+                <a:r>
+                  <a:rPr lang="es-PY" dirty="0"/>
+                  <a:t>Paso 2: Calcular el total de pixeles que exceden el límite de corte </a:t>
+                </a:r>
+                <a14:m>
+                  <m:oMath xmlns:m="http://schemas.openxmlformats.org/officeDocument/2006/math">
+                    <m:sSub>
+                      <m:sSubPr>
+                        <m:ctrlPr>
+                          <a:rPr lang="es-PY" i="1" smtClean="0">
+                            <a:latin typeface="Cambria Math" panose="02040503050406030204" pitchFamily="18" charset="0"/>
+                          </a:rPr>
+                        </m:ctrlPr>
+                      </m:sSubPr>
+                      <m:e>
+                        <m:r>
+                          <a:rPr lang="es-PY" b="0" i="1" smtClean="0">
+                            <a:latin typeface="Cambria Math" panose="02040503050406030204" pitchFamily="18" charset="0"/>
+                          </a:rPr>
+                          <m:t>𝑇</m:t>
+                        </m:r>
+                      </m:e>
+                      <m:sub>
+                        <m:r>
+                          <a:rPr lang="es-PY" b="0" i="1" smtClean="0">
+                            <a:latin typeface="Cambria Math" panose="02040503050406030204" pitchFamily="18" charset="0"/>
+                          </a:rPr>
+                          <m:t>𝑖</m:t>
+                        </m:r>
+                      </m:sub>
+                    </m:sSub>
+                  </m:oMath>
+                </a14:m>
+                <a:endParaRPr lang="es-PY" dirty="0"/>
+              </a:p>
+              <a:p>
+                <a:endParaRPr lang="es-PY" dirty="0"/>
+              </a:p>
+              <a:p>
+                <a:endParaRPr lang="es-PY" dirty="0"/>
+              </a:p>
+              <a:p>
+                <a:r>
+                  <a:rPr lang="es-PY" dirty="0"/>
+                  <a:t>Paso 3: Calcular el incremento promedio </a:t>
+                </a:r>
+                <a14:m>
+                  <m:oMath xmlns:m="http://schemas.openxmlformats.org/officeDocument/2006/math">
+                    <m:sSub>
+                      <m:sSubPr>
+                        <m:ctrlPr>
+                          <a:rPr lang="es-PY" i="1" smtClean="0">
+                            <a:latin typeface="Cambria Math" panose="02040503050406030204" pitchFamily="18" charset="0"/>
+                          </a:rPr>
+                        </m:ctrlPr>
+                      </m:sSubPr>
+                      <m:e>
+                        <m:r>
+                          <a:rPr lang="es-PY" b="0" i="1" smtClean="0">
+                            <a:latin typeface="Cambria Math" panose="02040503050406030204" pitchFamily="18" charset="0"/>
+                          </a:rPr>
+                          <m:t>𝐴𝐼</m:t>
+                        </m:r>
+                      </m:e>
+                      <m:sub>
+                        <m:r>
+                          <a:rPr lang="es-PY" b="0" i="1" smtClean="0">
+                            <a:latin typeface="Cambria Math" panose="02040503050406030204" pitchFamily="18" charset="0"/>
+                          </a:rPr>
+                          <m:t>𝑖</m:t>
+                        </m:r>
+                      </m:sub>
+                    </m:sSub>
+                  </m:oMath>
+                </a14:m>
+                <a:endParaRPr lang="es-PY" dirty="0"/>
+              </a:p>
+            </p:txBody>
+          </p:sp>
+        </mc:Choice>
+        <mc:Fallback xmlns="">
+          <p:sp>
+            <p:nvSpPr>
+              <p:cNvPr id="3" name="Marcador de texto 2">
+                <a:extLst>
+                  <a:ext uri="{FF2B5EF4-FFF2-40B4-BE49-F238E27FC236}">
+                    <a16:creationId xmlns:a16="http://schemas.microsoft.com/office/drawing/2014/main" id="{749BEE5C-1C22-4B66-9661-BA131378D2B0}"/>
+                  </a:ext>
+                </a:extLst>
+              </p:cNvPr>
+              <p:cNvSpPr>
+                <a:spLocks noGrp="1" noRot="1" noChangeAspect="1" noMove="1" noResize="1" noEditPoints="1" noAdjustHandles="1" noChangeArrowheads="1" noChangeShapeType="1" noTextEdit="1"/>
+              </p:cNvSpPr>
+              <p:nvPr>
+                <p:ph type="body" idx="1"/>
+              </p:nvPr>
+            </p:nvSpPr>
+            <p:spPr>
+              <a:xfrm>
+                <a:off x="677335" y="1089212"/>
+                <a:ext cx="8596668" cy="5051612"/>
+              </a:xfrm>
+              <a:blipFill>
+                <a:blip r:embed="rId2"/>
+                <a:stretch>
+                  <a:fillRect l="-567" t="-845"/>
+                </a:stretch>
+              </a:blipFill>
+            </p:spPr>
+            <p:txBody>
+              <a:bodyPr/>
+              <a:lstStyle/>
+              <a:p>
+                <a:r>
+                  <a:rPr lang="es-PY">
+                    <a:noFill/>
+                  </a:rPr>
+                  <a:t> </a:t>
+                </a:r>
+              </a:p>
+            </p:txBody>
+          </p:sp>
+        </mc:Fallback>
+      </mc:AlternateContent>
+      <p:pic>
+        <p:nvPicPr>
+          <p:cNvPr id="8" name="Imagen 7">
             <a:extLst>
               <a:ext uri="{FF2B5EF4-FFF2-40B4-BE49-F238E27FC236}">
-                <a16:creationId xmlns:a16="http://schemas.microsoft.com/office/drawing/2014/main" id="{EB9EE930-0759-4ACE-B12C-999CFF6703AF}"/>
-              </a:ext>
-            </a:extLst>
-          </p:cNvPr>
-          <p:cNvSpPr>
-            <a:spLocks noGrp="1"/>
-          </p:cNvSpPr>
-          <p:nvPr>
-            <p:ph type="body" idx="1"/>
-          </p:nvPr>
-        </p:nvSpPr>
-        <p:spPr>
-          <a:xfrm>
-            <a:off x="677335" y="1166191"/>
-            <a:ext cx="8596668" cy="4875171"/>
-          </a:xfrm>
-        </p:spPr>
-        <p:txBody>
-          <a:bodyPr anchor="t"/>
-          <a:lstStyle/>
-          <a:p>
-            <a:r>
-              <a:rPr lang="es-MX" dirty="0"/>
-              <a:t>Los cuatro rangos que dividen el histograma son:</a:t>
-            </a:r>
-          </a:p>
-          <a:p>
-            <a:endParaRPr lang="es-PY" dirty="0"/>
-          </a:p>
-        </p:txBody>
-      </p:sp>
-      <p:pic>
-        <p:nvPicPr>
-          <p:cNvPr id="5" name="Imagen 4">
-            <a:extLst>
-              <a:ext uri="{FF2B5EF4-FFF2-40B4-BE49-F238E27FC236}">
-                <a16:creationId xmlns:a16="http://schemas.microsoft.com/office/drawing/2014/main" id="{F97A6650-DDB3-4414-8BC2-AE1B7692FFE3}"/>
+                <a16:creationId xmlns:a16="http://schemas.microsoft.com/office/drawing/2014/main" id="{D1BB6181-4682-4D44-BE8A-36C4DE142F19}"/>
               </a:ext>
             </a:extLst>
           </p:cNvPr>
@@ -8753,15 +9580,75 @@
           <p:nvPr/>
         </p:nvPicPr>
         <p:blipFill>
-          <a:blip r:embed="rId2"/>
+          <a:blip r:embed="rId3"/>
           <a:stretch>
             <a:fillRect/>
           </a:stretch>
         </p:blipFill>
         <p:spPr>
           <a:xfrm>
-            <a:off x="421868" y="1590261"/>
-            <a:ext cx="5349453" cy="2674728"/>
+            <a:off x="2552412" y="2504175"/>
+            <a:ext cx="3425157" cy="675932"/>
+          </a:xfrm>
+          <a:prstGeom prst="rect">
+            <a:avLst/>
+          </a:prstGeom>
+        </p:spPr>
+      </p:pic>
+      <p:pic>
+        <p:nvPicPr>
+          <p:cNvPr id="10" name="Imagen 9">
+            <a:extLst>
+              <a:ext uri="{FF2B5EF4-FFF2-40B4-BE49-F238E27FC236}">
+                <a16:creationId xmlns:a16="http://schemas.microsoft.com/office/drawing/2014/main" id="{82D2CF3B-257D-4661-8CE2-C01CA3241391}"/>
+              </a:ext>
+            </a:extLst>
+          </p:cNvPr>
+          <p:cNvPicPr>
+            <a:picLocks noChangeAspect="1"/>
+          </p:cNvPicPr>
+          <p:nvPr/>
+        </p:nvPicPr>
+        <p:blipFill>
+          <a:blip r:embed="rId4"/>
+          <a:stretch>
+            <a:fillRect/>
+          </a:stretch>
+        </p:blipFill>
+        <p:spPr>
+          <a:xfrm>
+            <a:off x="2759369" y="3615018"/>
+            <a:ext cx="3011242" cy="609776"/>
+          </a:xfrm>
+          <a:prstGeom prst="rect">
+            <a:avLst/>
+          </a:prstGeom>
+        </p:spPr>
+      </p:pic>
+      <p:pic>
+        <p:nvPicPr>
+          <p:cNvPr id="11" name="Imagen 10">
+            <a:extLst>
+              <a:ext uri="{FF2B5EF4-FFF2-40B4-BE49-F238E27FC236}">
+                <a16:creationId xmlns:a16="http://schemas.microsoft.com/office/drawing/2014/main" id="{B2A94F46-C55A-4061-9165-C57A01CBEE02}"/>
+              </a:ext>
+            </a:extLst>
+          </p:cNvPr>
+          <p:cNvPicPr>
+            <a:picLocks noChangeAspect="1"/>
+          </p:cNvPicPr>
+          <p:nvPr/>
+        </p:nvPicPr>
+        <p:blipFill>
+          <a:blip r:embed="rId5"/>
+          <a:stretch>
+            <a:fillRect/>
+          </a:stretch>
+        </p:blipFill>
+        <p:spPr>
+          <a:xfrm>
+            <a:off x="3305030" y="4825335"/>
+            <a:ext cx="1133466" cy="609776"/>
           </a:xfrm>
           <a:prstGeom prst="rect">
             <a:avLst/>
@@ -8771,7 +9658,7 @@
     </p:spTree>
     <p:extLst>
       <p:ext uri="{BB962C8B-B14F-4D97-AF65-F5344CB8AC3E}">
-        <p14:creationId xmlns:p14="http://schemas.microsoft.com/office/powerpoint/2010/main" val="1520012475"/>
+        <p14:creationId xmlns:p14="http://schemas.microsoft.com/office/powerpoint/2010/main" val="374376784"/>
       </p:ext>
     </p:extLst>
   </p:cSld>
@@ -8798,157 +9685,142 @@
           <a:chExt cx="0" cy="0"/>
         </a:xfrm>
       </p:grpSpPr>
-      <p:sp>
-        <p:nvSpPr>
-          <p:cNvPr id="2" name="Título 1">
+      <mc:AlternateContent xmlns:mc="http://schemas.openxmlformats.org/markup-compatibility/2006" xmlns:a14="http://schemas.microsoft.com/office/drawing/2010/main">
+        <mc:Choice Requires="a14">
+          <p:sp>
+            <p:nvSpPr>
+              <p:cNvPr id="3" name="Marcador de texto 2">
+                <a:extLst>
+                  <a:ext uri="{FF2B5EF4-FFF2-40B4-BE49-F238E27FC236}">
+                    <a16:creationId xmlns:a16="http://schemas.microsoft.com/office/drawing/2014/main" id="{749BEE5C-1C22-4B66-9661-BA131378D2B0}"/>
+                  </a:ext>
+                </a:extLst>
+              </p:cNvPr>
+              <p:cNvSpPr>
+                <a:spLocks noGrp="1"/>
+              </p:cNvSpPr>
+              <p:nvPr>
+                <p:ph type="body" idx="1"/>
+              </p:nvPr>
+            </p:nvSpPr>
+            <p:spPr>
+              <a:xfrm>
+                <a:off x="677335" y="1285348"/>
+                <a:ext cx="8596668" cy="4855475"/>
+              </a:xfrm>
+            </p:spPr>
+            <p:txBody>
+              <a:bodyPr anchor="t"/>
+              <a:lstStyle/>
+              <a:p>
+                <a:r>
+                  <a:rPr lang="es-PY" dirty="0"/>
+                  <a:t>Los sub-histogramas recortados se calculan como:</a:t>
+                </a:r>
+              </a:p>
+              <a:p>
+                <a:endParaRPr lang="es-PY" dirty="0"/>
+              </a:p>
+              <a:p>
+                <a:endParaRPr lang="es-PY" dirty="0"/>
+              </a:p>
+              <a:p>
+                <a:endParaRPr lang="es-PY" dirty="0"/>
+              </a:p>
+              <a:p>
+                <a:endParaRPr lang="es-PY" dirty="0"/>
+              </a:p>
+              <a:p>
+                <a:r>
+                  <a:rPr lang="es-PY" dirty="0"/>
+                  <a:t>Finalmente, a cada sub-histograma se le aplica la ecualización de forma independiente utilizando la función de ecualización </a:t>
+                </a:r>
+                <a14:m>
+                  <m:oMath xmlns:m="http://schemas.openxmlformats.org/officeDocument/2006/math">
+                    <m:r>
+                      <a:rPr lang="es-PY" b="0" i="1" smtClean="0">
+                        <a:latin typeface="Cambria Math" panose="02040503050406030204" pitchFamily="18" charset="0"/>
+                      </a:rPr>
+                      <m:t>𝑔</m:t>
+                    </m:r>
+                    <m:r>
+                      <a:rPr lang="es-PY" b="0" i="1" smtClean="0">
+                        <a:latin typeface="Cambria Math" panose="02040503050406030204" pitchFamily="18" charset="0"/>
+                      </a:rPr>
+                      <m:t>(</m:t>
+                    </m:r>
+                    <m:r>
+                      <a:rPr lang="es-PY" b="0" i="1" smtClean="0">
+                        <a:latin typeface="Cambria Math" panose="02040503050406030204" pitchFamily="18" charset="0"/>
+                      </a:rPr>
+                      <m:t>𝑞</m:t>
+                    </m:r>
+                    <m:r>
+                      <a:rPr lang="es-PY" b="0" i="1" smtClean="0">
+                        <a:latin typeface="Cambria Math" panose="02040503050406030204" pitchFamily="18" charset="0"/>
+                      </a:rPr>
+                      <m:t>)</m:t>
+                    </m:r>
+                  </m:oMath>
+                </a14:m>
+                <a:r>
+                  <a:rPr lang="es-PY" dirty="0"/>
+                  <a:t>.</a:t>
+                </a:r>
+              </a:p>
+            </p:txBody>
+          </p:sp>
+        </mc:Choice>
+        <mc:Fallback xmlns="">
+          <p:sp>
+            <p:nvSpPr>
+              <p:cNvPr id="3" name="Marcador de texto 2">
+                <a:extLst>
+                  <a:ext uri="{FF2B5EF4-FFF2-40B4-BE49-F238E27FC236}">
+                    <a16:creationId xmlns:a16="http://schemas.microsoft.com/office/drawing/2014/main" id="{749BEE5C-1C22-4B66-9661-BA131378D2B0}"/>
+                  </a:ext>
+                </a:extLst>
+              </p:cNvPr>
+              <p:cNvSpPr>
+                <a:spLocks noGrp="1" noRot="1" noChangeAspect="1" noMove="1" noResize="1" noEditPoints="1" noAdjustHandles="1" noChangeArrowheads="1" noChangeShapeType="1" noTextEdit="1"/>
+              </p:cNvSpPr>
+              <p:nvPr>
+                <p:ph type="body" idx="1"/>
+              </p:nvPr>
+            </p:nvSpPr>
+            <p:spPr>
+              <a:xfrm>
+                <a:off x="677335" y="1285348"/>
+                <a:ext cx="8596668" cy="4855475"/>
+              </a:xfrm>
+              <a:blipFill>
+                <a:blip r:embed="rId2"/>
+                <a:stretch>
+                  <a:fillRect l="-567" t="-879"/>
+                </a:stretch>
+              </a:blipFill>
+            </p:spPr>
+            <p:txBody>
+              <a:bodyPr/>
+              <a:lstStyle/>
+              <a:p>
+                <a:r>
+                  <a:rPr lang="es-PY">
+                    <a:noFill/>
+                  </a:rPr>
+                  <a:t> </a:t>
+                </a:r>
+              </a:p>
+            </p:txBody>
+          </p:sp>
+        </mc:Fallback>
+      </mc:AlternateContent>
+      <p:pic>
+        <p:nvPicPr>
+          <p:cNvPr id="4" name="Imagen 3">
             <a:extLst>
               <a:ext uri="{FF2B5EF4-FFF2-40B4-BE49-F238E27FC236}">
-                <a16:creationId xmlns:a16="http://schemas.microsoft.com/office/drawing/2014/main" id="{5C757E3E-509B-46E3-A3AD-92C4258D3D81}"/>
-              </a:ext>
-            </a:extLst>
-          </p:cNvPr>
-          <p:cNvSpPr>
-            <a:spLocks noGrp="1"/>
-          </p:cNvSpPr>
-          <p:nvPr>
-            <p:ph type="title"/>
-          </p:nvPr>
-        </p:nvSpPr>
-        <p:spPr>
-          <a:xfrm>
-            <a:off x="677335" y="609600"/>
-            <a:ext cx="8596668" cy="914400"/>
-          </a:xfrm>
-        </p:spPr>
-        <p:txBody>
-          <a:bodyPr>
-            <a:normAutofit fontScale="90000"/>
-          </a:bodyPr>
-          <a:lstStyle/>
-          <a:p>
-            <a:r>
-              <a:rPr lang="es-PY" b="1" dirty="0"/>
-              <a:t>Recorte (</a:t>
-            </a:r>
-            <a:r>
-              <a:rPr lang="es-PY" b="1" dirty="0" err="1"/>
-              <a:t>Clipping</a:t>
-            </a:r>
-            <a:r>
-              <a:rPr lang="es-PY" b="1" dirty="0"/>
-              <a:t>) y Redistribución</a:t>
-            </a:r>
-            <a:br>
-              <a:rPr lang="es-PY" b="1" dirty="0"/>
-            </a:br>
-            <a:endParaRPr lang="es-PY" dirty="0"/>
-          </a:p>
-        </p:txBody>
-      </p:sp>
-      <p:sp>
-        <p:nvSpPr>
-          <p:cNvPr id="3" name="Marcador de texto 2">
-            <a:extLst>
-              <a:ext uri="{FF2B5EF4-FFF2-40B4-BE49-F238E27FC236}">
-                <a16:creationId xmlns:a16="http://schemas.microsoft.com/office/drawing/2014/main" id="{5483D6BA-F6C9-45BC-AC75-240059FCD1E9}"/>
-              </a:ext>
-            </a:extLst>
-          </p:cNvPr>
-          <p:cNvSpPr>
-            <a:spLocks noGrp="1"/>
-          </p:cNvSpPr>
-          <p:nvPr>
-            <p:ph type="body" idx="1"/>
-          </p:nvPr>
-        </p:nvSpPr>
-        <p:spPr>
-          <a:xfrm>
-            <a:off x="677335" y="1285461"/>
-            <a:ext cx="8596668" cy="4755901"/>
-          </a:xfrm>
-        </p:spPr>
-        <p:txBody>
-          <a:bodyPr anchor="t"/>
-          <a:lstStyle/>
-          <a:p>
-            <a:r>
-              <a:rPr lang="es-MX" dirty="0">
-                <a:latin typeface="Arial" panose="020B0604020202020204" pitchFamily="34" charset="0"/>
-                <a:cs typeface="Arial" panose="020B0604020202020204" pitchFamily="34" charset="0"/>
-              </a:rPr>
-              <a:t>Cada </a:t>
-            </a:r>
-            <a:r>
-              <a:rPr lang="es-MX" dirty="0" err="1">
-                <a:latin typeface="Arial" panose="020B0604020202020204" pitchFamily="34" charset="0"/>
-                <a:cs typeface="Arial" panose="020B0604020202020204" pitchFamily="34" charset="0"/>
-              </a:rPr>
-              <a:t>sub-histograma</a:t>
-            </a:r>
-            <a:r>
-              <a:rPr lang="es-MX" dirty="0">
-                <a:latin typeface="Arial" panose="020B0604020202020204" pitchFamily="34" charset="0"/>
-                <a:cs typeface="Arial" panose="020B0604020202020204" pitchFamily="34" charset="0"/>
-              </a:rPr>
-              <a:t> es procesado individualmente mediante un </a:t>
-            </a:r>
-            <a:r>
-              <a:rPr lang="es-MX" b="1" dirty="0">
-                <a:latin typeface="Arial" panose="020B0604020202020204" pitchFamily="34" charset="0"/>
-                <a:cs typeface="Arial" panose="020B0604020202020204" pitchFamily="34" charset="0"/>
-              </a:rPr>
-              <a:t>recorte controlado</a:t>
-            </a:r>
-            <a:r>
-              <a:rPr lang="es-MX" dirty="0">
-                <a:latin typeface="Arial" panose="020B0604020202020204" pitchFamily="34" charset="0"/>
-                <a:cs typeface="Arial" panose="020B0604020202020204" pitchFamily="34" charset="0"/>
-              </a:rPr>
-              <a:t> (</a:t>
-            </a:r>
-            <a:r>
-              <a:rPr lang="es-MX" dirty="0" err="1">
-                <a:latin typeface="Arial" panose="020B0604020202020204" pitchFamily="34" charset="0"/>
-                <a:cs typeface="Arial" panose="020B0604020202020204" pitchFamily="34" charset="0"/>
-              </a:rPr>
-              <a:t>clipping</a:t>
-            </a:r>
-            <a:r>
-              <a:rPr lang="es-MX" dirty="0">
-                <a:latin typeface="Arial" panose="020B0604020202020204" pitchFamily="34" charset="0"/>
-                <a:cs typeface="Arial" panose="020B0604020202020204" pitchFamily="34" charset="0"/>
-              </a:rPr>
-              <a:t>) y una </a:t>
-            </a:r>
-            <a:r>
-              <a:rPr lang="es-MX" b="1" dirty="0">
-                <a:latin typeface="Arial" panose="020B0604020202020204" pitchFamily="34" charset="0"/>
-                <a:cs typeface="Arial" panose="020B0604020202020204" pitchFamily="34" charset="0"/>
-              </a:rPr>
-              <a:t>redistribución uniforme del exceso</a:t>
-            </a:r>
-            <a:r>
-              <a:rPr lang="es-MX" dirty="0">
-                <a:latin typeface="Arial" panose="020B0604020202020204" pitchFamily="34" charset="0"/>
-                <a:cs typeface="Arial" panose="020B0604020202020204" pitchFamily="34" charset="0"/>
-              </a:rPr>
-              <a:t>, con el fin de evitar concentraciones excesivas de intensidad.</a:t>
-            </a:r>
-          </a:p>
-          <a:p>
-            <a:endParaRPr lang="es-PY" dirty="0">
-              <a:latin typeface="Arial" panose="020B0604020202020204" pitchFamily="34" charset="0"/>
-              <a:cs typeface="Arial" panose="020B0604020202020204" pitchFamily="34" charset="0"/>
-            </a:endParaRPr>
-          </a:p>
-        </p:txBody>
-      </p:sp>
-      <p:pic>
-        <p:nvPicPr>
-          <p:cNvPr id="5" name="Imagen 4">
-            <a:extLst>
-              <a:ext uri="{FF2B5EF4-FFF2-40B4-BE49-F238E27FC236}">
-                <a16:creationId xmlns:a16="http://schemas.microsoft.com/office/drawing/2014/main" id="{ACD22427-603F-4938-8DB8-0B2B8CEB947A}"/>
+                <a16:creationId xmlns:a16="http://schemas.microsoft.com/office/drawing/2014/main" id="{A8970501-F881-479B-92B3-7AEECF250EE5}"/>
               </a:ext>
             </a:extLst>
           </p:cNvPr>
@@ -8958,15 +9830,15 @@
           <p:nvPr/>
         </p:nvPicPr>
         <p:blipFill>
-          <a:blip r:embed="rId2"/>
+          <a:blip r:embed="rId3"/>
           <a:stretch>
             <a:fillRect/>
           </a:stretch>
         </p:blipFill>
         <p:spPr>
           <a:xfrm>
-            <a:off x="852858" y="3025147"/>
-            <a:ext cx="9043836" cy="1758888"/>
+            <a:off x="1713560" y="2003278"/>
+            <a:ext cx="5430008" cy="771633"/>
           </a:xfrm>
           <a:prstGeom prst="rect">
             <a:avLst/>
@@ -8976,7 +9848,7 @@
     </p:spTree>
     <p:extLst>
       <p:ext uri="{BB962C8B-B14F-4D97-AF65-F5344CB8AC3E}">
-        <p14:creationId xmlns:p14="http://schemas.microsoft.com/office/powerpoint/2010/main" val="540690280"/>
+        <p14:creationId xmlns:p14="http://schemas.microsoft.com/office/powerpoint/2010/main" val="256149416"/>
       </p:ext>
     </p:extLst>
   </p:cSld>
